--- a/hercules2025_A_intro.pptx
+++ b/hercules2025_A_intro.pptx
@@ -249,7 +249,7 @@
             <a:fld id="{D680E798-53FF-4C51-A981-953463752515}" type="datetimeFigureOut">
               <a:rPr lang="fr-FR" smtClean="0"/>
               <a:pPr/>
-              <a:t>20/03/2024</a:t>
+              <a:t>11/03/2025</a:t>
             </a:fld>
             <a:endParaRPr lang="fr-FR"/>
           </a:p>
@@ -315,38 +315,37 @@
           <a:p>
             <a:pPr lvl="0"/>
             <a:r>
-              <a:rPr lang="fr-FR" smtClean="0"/>
+              <a:rPr lang="fr-FR"/>
               <a:t>Cliquez pour modifier les styles du texte du masque</a:t>
             </a:r>
           </a:p>
           <a:p>
             <a:pPr lvl="1"/>
             <a:r>
-              <a:rPr lang="fr-FR" smtClean="0"/>
+              <a:rPr lang="fr-FR"/>
               <a:t>Deuxième niveau</a:t>
             </a:r>
           </a:p>
           <a:p>
             <a:pPr lvl="2"/>
             <a:r>
-              <a:rPr lang="fr-FR" smtClean="0"/>
+              <a:rPr lang="fr-FR"/>
               <a:t>Troisième niveau</a:t>
             </a:r>
           </a:p>
           <a:p>
             <a:pPr lvl="3"/>
             <a:r>
-              <a:rPr lang="fr-FR" smtClean="0"/>
+              <a:rPr lang="fr-FR"/>
               <a:t>Quatrième niveau</a:t>
             </a:r>
           </a:p>
           <a:p>
             <a:pPr lvl="4"/>
             <a:r>
-              <a:rPr lang="fr-FR" smtClean="0"/>
+              <a:rPr lang="fr-FR"/>
               <a:t>Cinquième niveau</a:t>
             </a:r>
-            <a:endParaRPr lang="fr-FR"/>
           </a:p>
         </p:txBody>
       </p:sp>
@@ -562,10 +561,9 @@
           </a:lstStyle>
           <a:p>
             <a:r>
-              <a:rPr lang="en-US" noProof="0" dirty="0" smtClean="0"/>
+              <a:rPr lang="en-US" noProof="0" dirty="0"/>
               <a:t>Click to edit Master title style</a:t>
             </a:r>
-            <a:endParaRPr lang="en-US" noProof="0" dirty="0"/>
           </a:p>
         </p:txBody>
       </p:sp>
@@ -679,7 +677,7 @@
           </a:lstStyle>
           <a:p>
             <a:r>
-              <a:rPr lang="en-US" noProof="0" dirty="0" smtClean="0"/>
+              <a:rPr lang="en-US" noProof="0" dirty="0"/>
               <a:t>Click to edit Master subtitle style</a:t>
             </a:r>
           </a:p>
@@ -701,10 +699,9 @@
           <a:lstStyle/>
           <a:p>
             <a:r>
-              <a:rPr lang="en-US" noProof="0" smtClean="0"/>
+              <a:rPr lang="en-US" noProof="0"/>
               <a:t>26/07/2013</a:t>
             </a:r>
-            <a:endParaRPr lang="en-US" noProof="0"/>
           </a:p>
         </p:txBody>
       </p:sp>
@@ -732,7 +729,7 @@
           </a:lstStyle>
           <a:p>
             <a:r>
-              <a:rPr lang="en-US" noProof="0" smtClean="0"/>
+              <a:rPr lang="en-US" noProof="0"/>
               <a:t>Page </a:t>
             </a:r>
             <a:fld id="{733122C9-A0B9-462F-8757-0847AD287B63}" type="slidenum">
@@ -768,8 +765,8 @@
           </a:lstStyle>
           <a:p>
             <a:r>
-              <a:rPr lang="en-US" noProof="0" smtClean="0"/>
-              <a:t>OASYS-Intro | HERCULES2024</a:t>
+              <a:rPr lang="en-US" noProof="0"/>
+              <a:t>OASYS-Intro | HERCULES2025</a:t>
             </a:r>
             <a:endParaRPr lang="en-US" noProof="0" dirty="0"/>
           </a:p>
@@ -859,10 +856,9 @@
           </a:lstStyle>
           <a:p>
             <a:r>
-              <a:rPr lang="en-US" noProof="0" dirty="0" smtClean="0"/>
+              <a:rPr lang="en-US" noProof="0" dirty="0"/>
               <a:t>Click to edit Master title style</a:t>
             </a:r>
-            <a:endParaRPr lang="en-US" noProof="0" dirty="0"/>
           </a:p>
         </p:txBody>
       </p:sp>
@@ -966,35 +962,35 @@
           <a:p>
             <a:pPr lvl="0"/>
             <a:r>
-              <a:rPr lang="en-US" noProof="0" dirty="0" smtClean="0"/>
+              <a:rPr lang="en-US" noProof="0" dirty="0"/>
               <a:t>Click to edit Master text styles</a:t>
             </a:r>
           </a:p>
           <a:p>
             <a:pPr lvl="1"/>
             <a:r>
-              <a:rPr lang="en-US" noProof="0" dirty="0" smtClean="0"/>
+              <a:rPr lang="en-US" noProof="0" dirty="0"/>
               <a:t>Second level</a:t>
             </a:r>
           </a:p>
           <a:p>
             <a:pPr lvl="2"/>
             <a:r>
-              <a:rPr lang="en-US" noProof="0" dirty="0" smtClean="0"/>
+              <a:rPr lang="en-US" noProof="0" dirty="0"/>
               <a:t>Third level</a:t>
             </a:r>
           </a:p>
           <a:p>
             <a:pPr lvl="3"/>
             <a:r>
-              <a:rPr lang="en-US" noProof="0" dirty="0" smtClean="0"/>
+              <a:rPr lang="en-US" noProof="0" dirty="0"/>
               <a:t>Fourth level</a:t>
             </a:r>
           </a:p>
           <a:p>
             <a:pPr lvl="4"/>
             <a:r>
-              <a:rPr lang="en-US" noProof="0" dirty="0" smtClean="0"/>
+              <a:rPr lang="en-US" noProof="0" dirty="0"/>
               <a:t>Fifth level</a:t>
             </a:r>
           </a:p>
@@ -1025,7 +1021,7 @@
           </a:lstStyle>
           <a:p>
             <a:r>
-              <a:rPr lang="en-US" noProof="0" smtClean="0"/>
+              <a:rPr lang="en-US" noProof="0"/>
               <a:t>Click icon to add picture</a:t>
             </a:r>
             <a:endParaRPr lang="en-US" noProof="0" dirty="0"/>
@@ -1048,10 +1044,9 @@
           <a:lstStyle/>
           <a:p>
             <a:r>
-              <a:rPr lang="en-US" noProof="0" smtClean="0"/>
+              <a:rPr lang="en-US" noProof="0"/>
               <a:t>26/07/2013</a:t>
             </a:r>
-            <a:endParaRPr lang="en-US" noProof="0"/>
           </a:p>
         </p:txBody>
       </p:sp>
@@ -1071,7 +1066,7 @@
           <a:lstStyle/>
           <a:p>
             <a:r>
-              <a:rPr lang="en-US" noProof="0" smtClean="0"/>
+              <a:rPr lang="en-US" noProof="0"/>
               <a:t>Page </a:t>
             </a:r>
             <a:fld id="{733122C9-A0B9-462F-8757-0847AD287B63}" type="slidenum">
@@ -1099,10 +1094,9 @@
           <a:lstStyle/>
           <a:p>
             <a:r>
-              <a:rPr lang="en-US" noProof="0" smtClean="0"/>
-              <a:t>OASYS-Intro | HERCULES2024</a:t>
-            </a:r>
-            <a:endParaRPr lang="en-US" noProof="0"/>
+              <a:rPr lang="en-US" noProof="0"/>
+              <a:t>OASYS-Intro | HERCULES2025</a:t>
+            </a:r>
           </a:p>
         </p:txBody>
       </p:sp>
@@ -1147,10 +1141,9 @@
           <a:lstStyle/>
           <a:p>
             <a:r>
-              <a:rPr lang="en-US" noProof="0" dirty="0" smtClean="0"/>
+              <a:rPr lang="en-US" noProof="0" dirty="0"/>
               <a:t>Click to edit Master title style</a:t>
             </a:r>
-            <a:endParaRPr lang="en-US" noProof="0" dirty="0"/>
           </a:p>
         </p:txBody>
       </p:sp>
@@ -1188,35 +1181,35 @@
           <a:p>
             <a:pPr lvl="0"/>
             <a:r>
-              <a:rPr lang="en-US" noProof="0" dirty="0" smtClean="0"/>
+              <a:rPr lang="en-US" noProof="0" dirty="0"/>
               <a:t>Click to edit Master text styles</a:t>
             </a:r>
           </a:p>
           <a:p>
             <a:pPr lvl="1"/>
             <a:r>
-              <a:rPr lang="en-US" noProof="0" dirty="0" smtClean="0"/>
+              <a:rPr lang="en-US" noProof="0" dirty="0"/>
               <a:t>Second level</a:t>
             </a:r>
           </a:p>
           <a:p>
             <a:pPr lvl="2"/>
             <a:r>
-              <a:rPr lang="en-US" noProof="0" dirty="0" smtClean="0"/>
+              <a:rPr lang="en-US" noProof="0" dirty="0"/>
               <a:t>Third level</a:t>
             </a:r>
           </a:p>
           <a:p>
             <a:pPr lvl="3"/>
             <a:r>
-              <a:rPr lang="en-US" noProof="0" dirty="0" smtClean="0"/>
+              <a:rPr lang="en-US" noProof="0" dirty="0"/>
               <a:t>Fourth level</a:t>
             </a:r>
           </a:p>
           <a:p>
             <a:pPr lvl="4"/>
             <a:r>
-              <a:rPr lang="en-US" noProof="0" dirty="0" smtClean="0"/>
+              <a:rPr lang="en-US" noProof="0" dirty="0"/>
               <a:t>Fifth level</a:t>
             </a:r>
           </a:p>
@@ -1238,10 +1231,9 @@
           <a:lstStyle/>
           <a:p>
             <a:r>
-              <a:rPr lang="en-US" noProof="0" smtClean="0"/>
+              <a:rPr lang="en-US" noProof="0"/>
               <a:t>26/07/2013</a:t>
             </a:r>
-            <a:endParaRPr lang="en-US" noProof="0"/>
           </a:p>
         </p:txBody>
       </p:sp>
@@ -1261,7 +1253,7 @@
           <a:lstStyle/>
           <a:p>
             <a:r>
-              <a:rPr lang="en-US" noProof="0" smtClean="0"/>
+              <a:rPr lang="en-US" noProof="0"/>
               <a:t>Page </a:t>
             </a:r>
             <a:fld id="{733122C9-A0B9-462F-8757-0847AD287B63}" type="slidenum">
@@ -1289,10 +1281,9 @@
           <a:lstStyle/>
           <a:p>
             <a:r>
-              <a:rPr lang="en-US" noProof="0" smtClean="0"/>
-              <a:t>OASYS-Intro | HERCULES2024</a:t>
-            </a:r>
-            <a:endParaRPr lang="en-US" noProof="0"/>
+              <a:rPr lang="en-US" noProof="0"/>
+              <a:t>OASYS-Intro | HERCULES2025</a:t>
+            </a:r>
           </a:p>
         </p:txBody>
       </p:sp>
@@ -1337,10 +1328,9 @@
           <a:lstStyle/>
           <a:p>
             <a:r>
-              <a:rPr lang="en-US" noProof="0" dirty="0" smtClean="0"/>
+              <a:rPr lang="en-US" noProof="0" dirty="0"/>
               <a:t>Click to edit Master title style</a:t>
             </a:r>
-            <a:endParaRPr lang="en-US" noProof="0" dirty="0"/>
           </a:p>
         </p:txBody>
       </p:sp>
@@ -1360,10 +1350,9 @@
           <a:lstStyle/>
           <a:p>
             <a:r>
-              <a:rPr lang="en-US" noProof="0" smtClean="0"/>
+              <a:rPr lang="en-US" noProof="0"/>
               <a:t>26/07/2013</a:t>
             </a:r>
-            <a:endParaRPr lang="en-US" noProof="0"/>
           </a:p>
         </p:txBody>
       </p:sp>
@@ -1383,7 +1372,7 @@
           <a:lstStyle/>
           <a:p>
             <a:r>
-              <a:rPr lang="en-US" noProof="0" smtClean="0"/>
+              <a:rPr lang="en-US" noProof="0"/>
               <a:t>Page </a:t>
             </a:r>
             <a:fld id="{733122C9-A0B9-462F-8757-0847AD287B63}" type="slidenum">
@@ -1411,10 +1400,9 @@
           <a:lstStyle/>
           <a:p>
             <a:r>
-              <a:rPr lang="en-US" noProof="0" smtClean="0"/>
-              <a:t>OASYS-Intro | HERCULES2024</a:t>
-            </a:r>
-            <a:endParaRPr lang="en-US" noProof="0"/>
+              <a:rPr lang="en-US" noProof="0"/>
+              <a:t>OASYS-Intro | HERCULES2025</a:t>
+            </a:r>
           </a:p>
         </p:txBody>
       </p:sp>
@@ -1501,7 +1489,7 @@
           <a:lstStyle/>
           <a:p>
             <a:r>
-              <a:rPr lang="en-US" smtClean="0"/>
+              <a:rPr lang="en-US"/>
               <a:t>Click to edit Master title style</a:t>
             </a:r>
             <a:endParaRPr lang="fr-FR" dirty="0"/>
@@ -1535,38 +1523,38 @@
           <a:p>
             <a:pPr lvl="0"/>
             <a:r>
-              <a:rPr lang="en-US" noProof="0" smtClean="0"/>
+              <a:rPr lang="en-US" noProof="0"/>
               <a:t>Edit Master text styles</a:t>
             </a:r>
           </a:p>
           <a:p>
             <a:pPr lvl="1"/>
             <a:r>
-              <a:rPr lang="en-US" noProof="0" smtClean="0"/>
+              <a:rPr lang="en-US" noProof="0"/>
               <a:t>Second level</a:t>
             </a:r>
           </a:p>
           <a:p>
             <a:pPr lvl="2"/>
             <a:r>
-              <a:rPr lang="en-US" noProof="0" smtClean="0"/>
+              <a:rPr lang="en-US" noProof="0"/>
               <a:t>Third level</a:t>
             </a:r>
           </a:p>
           <a:p>
             <a:pPr lvl="3"/>
             <a:r>
-              <a:rPr lang="en-US" noProof="0" smtClean="0"/>
+              <a:rPr lang="en-US" noProof="0"/>
               <a:t>Fourth level</a:t>
             </a:r>
           </a:p>
           <a:p>
             <a:pPr lvl="4"/>
             <a:r>
-              <a:rPr lang="en-US" noProof="0" smtClean="0"/>
+              <a:rPr lang="en-US" noProof="0"/>
               <a:t>Fifth level</a:t>
             </a:r>
-            <a:endParaRPr lang="en-US" noProof="0" dirty="0" smtClean="0"/>
+            <a:endParaRPr lang="en-US" noProof="0" dirty="0"/>
           </a:p>
         </p:txBody>
       </p:sp>
@@ -1604,7 +1592,7 @@
           </a:lstStyle>
           <a:p>
             <a:r>
-              <a:rPr lang="en-US" smtClean="0"/>
+              <a:rPr lang="en-US"/>
               <a:t>26/07/2013</a:t>
             </a:r>
             <a:endParaRPr lang="fr-FR" dirty="0"/>
@@ -1645,8 +1633,8 @@
           </a:lstStyle>
           <a:p>
             <a:r>
-              <a:rPr lang="en-US" smtClean="0"/>
-              <a:t>OASYS-Intro | HERCULES2024</a:t>
+              <a:rPr lang="en-US"/>
+              <a:t>OASYS-Intro | HERCULES2025</a:t>
             </a:r>
             <a:endParaRPr lang="fr-FR" dirty="0"/>
           </a:p>
@@ -1686,7 +1674,7 @@
           </a:lstStyle>
           <a:p>
             <a:r>
-              <a:rPr lang="fr-FR" dirty="0" smtClean="0"/>
+              <a:rPr lang="fr-FR" dirty="0"/>
               <a:t>Page </a:t>
             </a:r>
             <a:fld id="{733122C9-A0B9-462F-8757-0847AD287B63}" type="slidenum">
@@ -1750,7 +1738,7 @@
     <p:sldLayoutId id="2147483650" r:id="rId3"/>
     <p:sldLayoutId id="2147483654" r:id="rId4"/>
   </p:sldLayoutIdLst>
-  <p:hf hdr="0" dt="0"/>
+  <p:hf sldNum="0" hdr="0" dt="0"/>
   <p:txStyles>
     <p:titleStyle>
       <a:lvl1pPr algn="l" defTabSz="914400" rtl="0" eaLnBrk="1" latinLnBrk="0" hangingPunct="1">
@@ -2054,13 +2042,6 @@
   <p:clrMapOvr>
     <a:masterClrMapping/>
   </p:clrMapOvr>
-  <p:timing>
-    <p:tnLst>
-      <p:par>
-        <p:cTn id="1" dur="indefinite" restart="never" nodeType="tmRoot"/>
-      </p:par>
-    </p:tnLst>
-  </p:timing>
 </p:sld>
 </file>
 
@@ -2097,10 +2078,9 @@
           <a:lstStyle/>
           <a:p>
             <a:r>
-              <a:rPr lang="en-US" sz="2400" cap="none" dirty="0" smtClean="0"/>
+              <a:rPr lang="en-US" sz="2400" cap="none" dirty="0"/>
               <a:t>Introduction to OASYS</a:t>
             </a:r>
-            <a:endParaRPr lang="en-US" sz="2400" cap="none" dirty="0"/>
           </a:p>
         </p:txBody>
       </p:sp>
@@ -2120,37 +2100,9 @@
           <a:lstStyle/>
           <a:p>
             <a:r>
-              <a:rPr lang="en-US" smtClean="0"/>
-              <a:t>OASYS-Intro | HERCULES2024</a:t>
-            </a:r>
-            <a:endParaRPr lang="fr-FR" dirty="0"/>
-          </a:p>
-        </p:txBody>
-      </p:sp>
-      <p:sp>
-        <p:nvSpPr>
-          <p:cNvPr id="4" name="Slide Number Placeholder 3"/>
-          <p:cNvSpPr>
-            <a:spLocks noGrp="1"/>
-          </p:cNvSpPr>
-          <p:nvPr>
-            <p:ph type="sldNum" sz="quarter" idx="11"/>
-          </p:nvPr>
-        </p:nvSpPr>
-        <p:spPr/>
-        <p:txBody>
-          <a:bodyPr/>
-          <a:lstStyle/>
-          <a:p>
-            <a:r>
-              <a:rPr lang="fr-FR" smtClean="0"/>
-              <a:t>Page </a:t>
-            </a:r>
-            <a:fld id="{733122C9-A0B9-462F-8757-0847AD287B63}" type="slidenum">
-              <a:rPr lang="fr-FR" smtClean="0"/>
-              <a:pPr/>
-              <a:t>10</a:t>
-            </a:fld>
+              <a:rPr lang="en-US"/>
+              <a:t>OASYS-Intro | HERCULES2025</a:t>
+            </a:r>
             <a:endParaRPr lang="fr-FR" dirty="0"/>
           </a:p>
         </p:txBody>
@@ -3139,12 +3091,8 @@
           <a:lstStyle/>
           <a:p>
             <a:r>
-              <a:rPr lang="en-US" dirty="0" smtClean="0"/>
-              <a:t>Incoherent </a:t>
-            </a:r>
-            <a:r>
               <a:rPr lang="en-US" dirty="0"/>
-              <a:t>X-ray beams                             Fully coherent X-ray beams</a:t>
+              <a:t>Incoherent X-ray beams                             Fully coherent X-ray beams</a:t>
             </a:r>
           </a:p>
         </p:txBody>
@@ -3159,13 +3107,6 @@
   <p:clrMapOvr>
     <a:masterClrMapping/>
   </p:clrMapOvr>
-  <p:timing>
-    <p:tnLst>
-      <p:par>
-        <p:cTn id="1" dur="indefinite" restart="never" nodeType="tmRoot"/>
-      </p:par>
-    </p:tnLst>
-  </p:timing>
 </p:sld>
 </file>
 
@@ -3202,38 +3143,10 @@
           <a:lstStyle/>
           <a:p>
             <a:r>
-              <a:rPr lang="en-US" sz="2400" dirty="0" smtClean="0"/>
+              <a:rPr lang="en-US" sz="2400" dirty="0"/>
               <a:t>ORANGE</a:t>
             </a:r>
             <a:endParaRPr lang="en-GB" sz="1800" dirty="0"/>
-          </a:p>
-        </p:txBody>
-      </p:sp>
-      <p:sp>
-        <p:nvSpPr>
-          <p:cNvPr id="3" name="Slide Number Placeholder 2"/>
-          <p:cNvSpPr>
-            <a:spLocks noGrp="1"/>
-          </p:cNvSpPr>
-          <p:nvPr>
-            <p:ph type="sldNum" sz="quarter" idx="11"/>
-          </p:nvPr>
-        </p:nvSpPr>
-        <p:spPr/>
-        <p:txBody>
-          <a:bodyPr/>
-          <a:lstStyle/>
-          <a:p>
-            <a:r>
-              <a:rPr lang="en-US" noProof="0" smtClean="0"/>
-              <a:t>Page </a:t>
-            </a:r>
-            <a:fld id="{733122C9-A0B9-462F-8757-0847AD287B63}" type="slidenum">
-              <a:rPr lang="en-US" noProof="0" smtClean="0"/>
-              <a:pPr/>
-              <a:t>11</a:t>
-            </a:fld>
-            <a:endParaRPr lang="en-US" noProof="0"/>
           </a:p>
         </p:txBody>
       </p:sp>
@@ -3253,10 +3166,9 @@
           <a:lstStyle/>
           <a:p>
             <a:r>
-              <a:rPr lang="en-US" noProof="0" smtClean="0"/>
-              <a:t>OASYS-Intro | HERCULES2024</a:t>
-            </a:r>
-            <a:endParaRPr lang="en-US" noProof="0"/>
+              <a:rPr lang="en-US" noProof="0"/>
+              <a:t>OASYS-Intro | HERCULES2025</a:t>
+            </a:r>
           </a:p>
         </p:txBody>
       </p:sp>
@@ -3352,15 +3264,7 @@
                   <a:srgbClr val="132577"/>
                 </a:solidFill>
               </a:rPr>
-              <a:t>Orange is a component-based visual programming software package for data visualization, machine learning, data mining, and data analysis. [</a:t>
-            </a:r>
-            <a:r>
-              <a:rPr lang="en-GB" sz="1400" dirty="0" smtClean="0">
-                <a:solidFill>
-                  <a:srgbClr val="132577"/>
-                </a:solidFill>
-              </a:rPr>
-              <a:t>1]. </a:t>
+              <a:t>Orange is a component-based visual programming software package for data visualization, machine learning, data mining, and data analysis. [1]. </a:t>
             </a:r>
             <a:endParaRPr lang="en-US" sz="1400" dirty="0">
               <a:solidFill>
@@ -3455,12 +3359,8 @@
           <a:lstStyle/>
           <a:p>
             <a:r>
-              <a:rPr lang="en-GB" sz="900" dirty="0" smtClean="0"/>
-              <a:t>[1</a:t>
-            </a:r>
-            <a:r>
               <a:rPr lang="en-GB" sz="900" dirty="0"/>
-              <a:t>] </a:t>
+              <a:t>[1] </a:t>
             </a:r>
             <a:r>
               <a:rPr lang="en-GB" sz="900" dirty="0" err="1"/>
@@ -3484,19 +3384,15 @@
             </a:r>
             <a:r>
               <a:rPr lang="en-GB" sz="900" dirty="0"/>
-              <a:t>, A. "Orange: Data Mining Toolbox in Python," Journal of Machine Learning Research 14, 2349−2353 (2013</a:t>
-            </a:r>
-            <a:r>
-              <a:rPr lang="en-GB" sz="900" dirty="0" smtClean="0"/>
-              <a:t>). </a:t>
-            </a:r>
-            <a:r>
-              <a:rPr lang="en-GB" sz="900" u="sng" dirty="0" smtClean="0">
+              <a:t>, A. "Orange: Data Mining Toolbox in Python," Journal of Machine Learning Research 14, 2349−2353 (2013). </a:t>
+            </a:r>
+            <a:r>
+              <a:rPr lang="en-GB" sz="900" u="sng" dirty="0">
                 <a:hlinkClick r:id="rId4"/>
               </a:rPr>
               <a:t>https://orange.biolab.si</a:t>
             </a:r>
-            <a:endParaRPr lang="en-GB" sz="900" u="sng" dirty="0" smtClean="0"/>
+            <a:endParaRPr lang="en-GB" sz="900" u="sng" dirty="0"/>
           </a:p>
         </p:txBody>
       </p:sp>
@@ -3546,7 +3442,7 @@
           <a:lstStyle/>
           <a:p>
             <a:r>
-              <a:rPr lang="en-GB" sz="2400" cap="none" dirty="0" err="1" smtClean="0">
+              <a:rPr lang="en-GB" sz="2400" cap="none" dirty="0" err="1">
                 <a:solidFill>
                   <a:schemeClr val="accent2"/>
                 </a:solidFill>
@@ -3554,11 +3450,11 @@
               <a:t>O</a:t>
             </a:r>
             <a:r>
-              <a:rPr lang="en-GB" sz="2400" cap="none" dirty="0" err="1" smtClean="0"/>
+              <a:rPr lang="en-GB" sz="2400" cap="none" dirty="0" err="1"/>
               <a:t>r</a:t>
             </a:r>
             <a:r>
-              <a:rPr lang="en-GB" sz="2400" cap="none" dirty="0" err="1" smtClean="0">
+              <a:rPr lang="en-GB" sz="2400" cap="none" dirty="0" err="1">
                 <a:solidFill>
                   <a:schemeClr val="accent2"/>
                 </a:solidFill>
@@ -3566,15 +3462,15 @@
               <a:t>A</a:t>
             </a:r>
             <a:r>
-              <a:rPr lang="en-GB" sz="2400" cap="none" dirty="0" err="1" smtClean="0"/>
+              <a:rPr lang="en-GB" sz="2400" cap="none" dirty="0" err="1"/>
               <a:t>nge</a:t>
             </a:r>
             <a:r>
-              <a:rPr lang="en-GB" sz="2400" cap="none" dirty="0" smtClean="0"/>
+              <a:rPr lang="en-GB" sz="2400" cap="none" dirty="0"/>
               <a:t> </a:t>
             </a:r>
             <a:r>
-              <a:rPr lang="en-GB" sz="2400" cap="none" dirty="0" err="1" smtClean="0">
+              <a:rPr lang="en-GB" sz="2400" cap="none" dirty="0" err="1">
                 <a:solidFill>
                   <a:schemeClr val="accent2"/>
                 </a:solidFill>
@@ -3582,15 +3478,15 @@
               <a:t>SY</a:t>
             </a:r>
             <a:r>
-              <a:rPr lang="en-GB" sz="2400" cap="none" dirty="0" err="1" smtClean="0"/>
+              <a:rPr lang="en-GB" sz="2400" cap="none" dirty="0" err="1"/>
               <a:t>nchrotron</a:t>
             </a:r>
             <a:r>
-              <a:rPr lang="en-GB" sz="2400" cap="none" dirty="0" smtClean="0"/>
+              <a:rPr lang="en-GB" sz="2400" cap="none" dirty="0"/>
               <a:t> </a:t>
             </a:r>
             <a:r>
-              <a:rPr lang="en-GB" sz="2400" cap="none" dirty="0" smtClean="0">
+              <a:rPr lang="en-GB" sz="2400" cap="none" dirty="0">
                 <a:solidFill>
                   <a:schemeClr val="accent2"/>
                 </a:solidFill>
@@ -3598,38 +3494,9 @@
               <a:t>S</a:t>
             </a:r>
             <a:r>
-              <a:rPr lang="en-GB" sz="2400" cap="none" dirty="0" smtClean="0"/>
+              <a:rPr lang="en-GB" sz="2400" cap="none" dirty="0"/>
               <a:t>uite</a:t>
             </a:r>
-            <a:endParaRPr lang="en-GB" sz="2400" cap="none" dirty="0"/>
-          </a:p>
-        </p:txBody>
-      </p:sp>
-      <p:sp>
-        <p:nvSpPr>
-          <p:cNvPr id="3" name="Slide Number Placeholder 2"/>
-          <p:cNvSpPr>
-            <a:spLocks noGrp="1"/>
-          </p:cNvSpPr>
-          <p:nvPr>
-            <p:ph type="sldNum" sz="quarter" idx="11"/>
-          </p:nvPr>
-        </p:nvSpPr>
-        <p:spPr/>
-        <p:txBody>
-          <a:bodyPr/>
-          <a:lstStyle/>
-          <a:p>
-            <a:r>
-              <a:rPr lang="en-US" noProof="0" smtClean="0"/>
-              <a:t>Page </a:t>
-            </a:r>
-            <a:fld id="{733122C9-A0B9-462F-8757-0847AD287B63}" type="slidenum">
-              <a:rPr lang="en-US" noProof="0" smtClean="0"/>
-              <a:pPr/>
-              <a:t>12</a:t>
-            </a:fld>
-            <a:endParaRPr lang="en-US" noProof="0"/>
           </a:p>
         </p:txBody>
       </p:sp>
@@ -3649,10 +3516,9 @@
           <a:lstStyle/>
           <a:p>
             <a:r>
-              <a:rPr lang="en-US" noProof="0" smtClean="0"/>
-              <a:t>OASYS-Intro | HERCULES2024</a:t>
-            </a:r>
-            <a:endParaRPr lang="en-US" noProof="0"/>
+              <a:rPr lang="en-US" noProof="0"/>
+              <a:t>OASYS-Intro | HERCULES2025</a:t>
+            </a:r>
           </a:p>
         </p:txBody>
       </p:sp>
@@ -3757,7 +3623,7 @@
             <a:p>
               <a:pPr algn="ctr"/>
               <a:r>
-                <a:rPr lang="en-US" dirty="0" smtClean="0"/>
+                <a:rPr lang="en-US" dirty="0"/>
                 <a:t>SRW</a:t>
               </a:r>
             </a:p>
@@ -3853,7 +3719,7 @@
             <a:p>
               <a:pPr algn="ctr"/>
               <a:r>
-                <a:rPr lang="en-US" dirty="0" smtClean="0"/>
+                <a:rPr lang="en-US" dirty="0"/>
                 <a:t>XOPPY</a:t>
               </a:r>
             </a:p>
@@ -4010,7 +3876,7 @@
           <a:p>
             <a:pPr algn="ctr"/>
             <a:r>
-              <a:rPr lang="en-US" dirty="0" smtClean="0"/>
+              <a:rPr lang="en-US" dirty="0"/>
               <a:t>Orange</a:t>
             </a:r>
           </a:p>
@@ -4095,7 +3961,7 @@
             <a:p>
               <a:pPr algn="ctr"/>
               <a:r>
-                <a:rPr lang="en-US" dirty="0" smtClean="0"/>
+                <a:rPr lang="en-US" dirty="0"/>
                 <a:t>SYNED</a:t>
               </a:r>
             </a:p>
@@ -4215,7 +4081,7 @@
           <a:p>
             <a:pPr algn="ctr"/>
             <a:r>
-              <a:rPr lang="en-US" dirty="0" smtClean="0"/>
+              <a:rPr lang="en-US" dirty="0"/>
               <a:t>COMSYL</a:t>
             </a:r>
           </a:p>
@@ -4448,7 +4314,7 @@
           <a:p>
             <a:pPr algn="ctr"/>
             <a:r>
-              <a:rPr lang="en-US" dirty="0" smtClean="0">
+              <a:rPr lang="en-US" dirty="0">
                 <a:solidFill>
                   <a:srgbClr val="F9A549"/>
                 </a:solidFill>
@@ -4499,7 +4365,7 @@
             <a:p>
               <a:pPr algn="ctr"/>
               <a:r>
-                <a:rPr lang="en-US" dirty="0" smtClean="0"/>
+                <a:rPr lang="en-US" dirty="0"/>
                 <a:t>WOFRY</a:t>
               </a:r>
             </a:p>
@@ -4663,7 +4529,7 @@
             <a:p>
               <a:pPr algn="ctr"/>
               <a:r>
-                <a:rPr lang="en-US" dirty="0" smtClean="0"/>
+                <a:rPr lang="en-US" dirty="0"/>
                 <a:t>SHADOWOUI</a:t>
               </a:r>
             </a:p>
@@ -4740,7 +4606,7 @@
           <a:lstStyle/>
           <a:p>
             <a:r>
-              <a:rPr lang="en-GB" sz="1400" dirty="0" smtClean="0">
+              <a:rPr lang="en-GB" sz="1400" dirty="0">
                 <a:solidFill>
                   <a:srgbClr val="7030A0"/>
                 </a:solidFill>
@@ -4761,18 +4627,10 @@
                   <a:srgbClr val="7030A0"/>
                 </a:solidFill>
               </a:rPr>
-              <a:t> (ANL) </a:t>
-            </a:r>
-            <a:r>
-              <a:rPr lang="en-GB" sz="1400" dirty="0" smtClean="0">
-                <a:solidFill>
-                  <a:srgbClr val="7030A0"/>
-                </a:solidFill>
-              </a:rPr>
-              <a:t>&amp; Manuel Sánchez del R</a:t>
-            </a:r>
-            <a:r>
-              <a:rPr lang="es-MX" sz="1400" dirty="0" smtClean="0">
+              <a:t> (ANL) &amp; Manuel Sánchez del R</a:t>
+            </a:r>
+            <a:r>
+              <a:rPr lang="es-MX" sz="1400" dirty="0">
                 <a:solidFill>
                   <a:srgbClr val="7030A0"/>
                 </a:solidFill>
@@ -4780,28 +4638,12 @@
               <a:t>í</a:t>
             </a:r>
             <a:r>
-              <a:rPr lang="en-GB" sz="1400" dirty="0" smtClean="0">
-                <a:solidFill>
-                  <a:srgbClr val="7030A0"/>
-                </a:solidFill>
-              </a:rPr>
-              <a:t>o </a:t>
-            </a:r>
-            <a:r>
               <a:rPr lang="en-GB" sz="1400" dirty="0">
                 <a:solidFill>
                   <a:srgbClr val="7030A0"/>
                 </a:solidFill>
               </a:rPr>
-              <a:t>(</a:t>
-            </a:r>
-            <a:r>
-              <a:rPr lang="en-GB" sz="1400" dirty="0" smtClean="0">
-                <a:solidFill>
-                  <a:srgbClr val="7030A0"/>
-                </a:solidFill>
-              </a:rPr>
-              <a:t>ESRF)</a:t>
+              <a:t>o (ESRF)</a:t>
             </a:r>
             <a:endParaRPr lang="en-US" sz="1400" dirty="0">
               <a:solidFill>
@@ -4838,12 +4680,8 @@
           <a:lstStyle/>
           <a:p>
             <a:r>
-              <a:rPr lang="en-GB" sz="900" dirty="0" smtClean="0"/>
-              <a:t>L</a:t>
-            </a:r>
-            <a:r>
               <a:rPr lang="en-GB" sz="900" dirty="0"/>
-              <a:t>. </a:t>
+              <a:t>L. </a:t>
             </a:r>
             <a:r>
               <a:rPr lang="en-GB" sz="900" dirty="0" err="1"/>
@@ -4871,19 +4709,11 @@
             </a:r>
             <a:r>
               <a:rPr lang="en-GB" sz="900" b="1" dirty="0"/>
-              <a:t> Suite): an open-source graphical environment for x-ray virtual </a:t>
-            </a:r>
-            <a:r>
-              <a:rPr lang="en-GB" sz="900" b="1" dirty="0" smtClean="0"/>
-              <a:t>experiments</a:t>
+              <a:t> Suite): an open-source graphical environment for x-ray virtual experiments</a:t>
             </a:r>
             <a:r>
               <a:rPr lang="en-GB" sz="900" dirty="0"/>
-              <a:t>”, Proc. SPIE 10388, 103880S (2017)​​​​​. DOI: </a:t>
-            </a:r>
-            <a:r>
-              <a:rPr lang="en-GB" sz="900" dirty="0" smtClean="0"/>
-              <a:t>10.1117/12.2274263.</a:t>
+              <a:t>”, Proc. SPIE 10388, 103880S (2017)​​​​​. DOI: 10.1117/12.2274263.</a:t>
             </a:r>
             <a:endParaRPr lang="en-GB" sz="900" u="sng" dirty="0"/>
           </a:p>
@@ -5230,46 +5060,18 @@
           <a:lstStyle/>
           <a:p>
             <a:r>
-              <a:rPr lang="en-US" sz="2400" cap="none" dirty="0" smtClean="0"/>
+              <a:rPr lang="en-US" sz="2400" cap="none" dirty="0"/>
               <a:t>OASYS</a:t>
             </a:r>
             <a:r>
-              <a:rPr lang="en-US" cap="none" dirty="0" smtClean="0"/>
+              <a:rPr lang="en-US" cap="none" dirty="0"/>
               <a:t> </a:t>
             </a:r>
             <a:r>
-              <a:rPr lang="en-US" sz="2400" cap="none" dirty="0" smtClean="0"/>
+              <a:rPr lang="en-US" sz="2400" cap="none" dirty="0"/>
               <a:t>interoperability</a:t>
             </a:r>
             <a:endParaRPr lang="en-GB" cap="none" dirty="0"/>
-          </a:p>
-        </p:txBody>
-      </p:sp>
-      <p:sp>
-        <p:nvSpPr>
-          <p:cNvPr id="6" name="Slide Number Placeholder 5"/>
-          <p:cNvSpPr>
-            <a:spLocks noGrp="1"/>
-          </p:cNvSpPr>
-          <p:nvPr>
-            <p:ph type="sldNum" sz="quarter" idx="15"/>
-          </p:nvPr>
-        </p:nvSpPr>
-        <p:spPr/>
-        <p:txBody>
-          <a:bodyPr/>
-          <a:lstStyle/>
-          <a:p>
-            <a:r>
-              <a:rPr lang="en-US" noProof="0" smtClean="0"/>
-              <a:t>Page </a:t>
-            </a:r>
-            <a:fld id="{733122C9-A0B9-462F-8757-0847AD287B63}" type="slidenum">
-              <a:rPr lang="en-US" noProof="0" smtClean="0"/>
-              <a:pPr/>
-              <a:t>13</a:t>
-            </a:fld>
-            <a:endParaRPr lang="en-US" noProof="0"/>
           </a:p>
         </p:txBody>
       </p:sp>
@@ -5289,10 +5091,9 @@
           <a:lstStyle/>
           <a:p>
             <a:r>
-              <a:rPr lang="en-US" noProof="0" smtClean="0"/>
-              <a:t>OASYS-Intro | HERCULES2024</a:t>
-            </a:r>
-            <a:endParaRPr lang="en-US" noProof="0"/>
+              <a:rPr lang="en-US" noProof="0"/>
+              <a:t>OASYS-Intro | HERCULES2025</a:t>
+            </a:r>
           </a:p>
         </p:txBody>
       </p:sp>
@@ -5323,7 +5124,7 @@
           <a:p>
             <a:pPr algn="ctr"/>
             <a:r>
-              <a:rPr lang="en-US" b="1" dirty="0" smtClean="0">
+              <a:rPr lang="en-US" b="1" dirty="0">
                 <a:solidFill>
                   <a:srgbClr val="FFC000"/>
                 </a:solidFill>
@@ -5360,7 +5161,7 @@
           <a:p>
             <a:pPr algn="ctr"/>
             <a:r>
-              <a:rPr lang="en-US" b="1" dirty="0" smtClean="0">
+              <a:rPr lang="en-US" b="1" dirty="0">
                 <a:solidFill>
                   <a:srgbClr val="002060"/>
                 </a:solidFill>
@@ -5397,7 +5198,7 @@
           <a:p>
             <a:pPr algn="ctr"/>
             <a:r>
-              <a:rPr lang="en-US" b="1" dirty="0" smtClean="0">
+              <a:rPr lang="en-US" b="1" dirty="0">
                 <a:solidFill>
                   <a:srgbClr val="00B0F0"/>
                 </a:solidFill>
@@ -5434,7 +5235,7 @@
           <a:p>
             <a:pPr algn="ctr"/>
             <a:r>
-              <a:rPr lang="en-US" b="1" dirty="0" smtClean="0">
+              <a:rPr lang="en-US" b="1" dirty="0">
                 <a:solidFill>
                   <a:srgbClr val="7030A0"/>
                 </a:solidFill>
@@ -5471,7 +5272,7 @@
           <a:p>
             <a:pPr algn="ctr"/>
             <a:r>
-              <a:rPr lang="en-US" b="1" dirty="0" smtClean="0">
+              <a:rPr lang="en-US" b="1" dirty="0">
                 <a:solidFill>
                   <a:schemeClr val="bg2">
                     <a:lumMod val="60000"/>
@@ -5578,38 +5379,10 @@
           <a:lstStyle/>
           <a:p>
             <a:r>
-              <a:rPr lang="en-US" sz="2400" cap="none" dirty="0" smtClean="0"/>
+              <a:rPr lang="en-US" sz="2400" cap="none" dirty="0"/>
               <a:t>Other OASYS features</a:t>
             </a:r>
             <a:endParaRPr lang="en-GB" cap="none" dirty="0"/>
-          </a:p>
-        </p:txBody>
-      </p:sp>
-      <p:sp>
-        <p:nvSpPr>
-          <p:cNvPr id="6" name="Slide Number Placeholder 5"/>
-          <p:cNvSpPr>
-            <a:spLocks noGrp="1"/>
-          </p:cNvSpPr>
-          <p:nvPr>
-            <p:ph type="sldNum" sz="quarter" idx="15"/>
-          </p:nvPr>
-        </p:nvSpPr>
-        <p:spPr/>
-        <p:txBody>
-          <a:bodyPr/>
-          <a:lstStyle/>
-          <a:p>
-            <a:r>
-              <a:rPr lang="en-US" noProof="0" smtClean="0"/>
-              <a:t>Page </a:t>
-            </a:r>
-            <a:fld id="{733122C9-A0B9-462F-8757-0847AD287B63}" type="slidenum">
-              <a:rPr lang="en-US" noProof="0" smtClean="0"/>
-              <a:pPr/>
-              <a:t>14</a:t>
-            </a:fld>
-            <a:endParaRPr lang="en-US" noProof="0"/>
           </a:p>
         </p:txBody>
       </p:sp>
@@ -5629,10 +5402,9 @@
           <a:lstStyle/>
           <a:p>
             <a:r>
-              <a:rPr lang="en-US" noProof="0" smtClean="0"/>
-              <a:t>OASYS-Intro | HERCULES2024</a:t>
-            </a:r>
-            <a:endParaRPr lang="en-US" noProof="0"/>
+              <a:rPr lang="en-US" noProof="0"/>
+              <a:t>OASYS-Intro | HERCULES2025</a:t>
+            </a:r>
           </a:p>
         </p:txBody>
       </p:sp>
@@ -5663,18 +5435,13 @@
               <a:buChar char="§"/>
             </a:pPr>
             <a:r>
-              <a:rPr lang="en-US" dirty="0" smtClean="0">
+              <a:rPr lang="en-US" dirty="0">
                 <a:solidFill>
                   <a:srgbClr val="002692"/>
                 </a:solidFill>
               </a:rPr>
               <a:t>Open Source, many synchrotron facilities are developing their own customized widgets, Add-ons, for example:</a:t>
             </a:r>
-            <a:endParaRPr lang="en-US" dirty="0">
-              <a:solidFill>
-                <a:srgbClr val="002692"/>
-              </a:solidFill>
-            </a:endParaRPr>
           </a:p>
         </p:txBody>
       </p:sp>
@@ -5892,19 +5659,12 @@
               <a:rPr lang="en-GB" sz="1400" dirty="0">
                 <a:hlinkClick r:id="rId11"/>
               </a:rPr>
-              <a:t>https://</a:t>
-            </a:r>
-            <a:r>
-              <a:rPr lang="en-GB" sz="1400" dirty="0" smtClean="0">
-                <a:hlinkClick r:id="rId11"/>
-              </a:rPr>
-              <a:t>github.com/oasys-esrf-kit</a:t>
-            </a:r>
-            <a:r>
-              <a:rPr lang="en-GB" sz="1400" dirty="0" smtClean="0"/>
+              <a:t>https://github.com/oasys-esrf-kit</a:t>
+            </a:r>
+            <a:r>
+              <a:rPr lang="en-GB" sz="1400" dirty="0"/>
               <a:t> *</a:t>
             </a:r>
-            <a:endParaRPr lang="en-GB" sz="1400" dirty="0"/>
           </a:p>
         </p:txBody>
       </p:sp>
@@ -6003,7 +5763,7 @@
           <a:lstStyle/>
           <a:p>
             <a:r>
-              <a:rPr lang="en-US" sz="1200" dirty="0" smtClean="0"/>
+              <a:rPr lang="en-US" sz="1200" dirty="0"/>
               <a:t>* Add-ons installation example</a:t>
             </a:r>
             <a:endParaRPr lang="en-GB" sz="1200" dirty="0"/>
@@ -6056,38 +5816,10 @@
           <a:lstStyle/>
           <a:p>
             <a:r>
-              <a:rPr lang="en-US" sz="2400" cap="none" dirty="0" smtClean="0"/>
+              <a:rPr lang="en-US" sz="2400" cap="none" dirty="0"/>
               <a:t>Other OASYS features</a:t>
             </a:r>
             <a:endParaRPr lang="en-GB" cap="none" dirty="0"/>
-          </a:p>
-        </p:txBody>
-      </p:sp>
-      <p:sp>
-        <p:nvSpPr>
-          <p:cNvPr id="6" name="Slide Number Placeholder 5"/>
-          <p:cNvSpPr>
-            <a:spLocks noGrp="1"/>
-          </p:cNvSpPr>
-          <p:nvPr>
-            <p:ph type="sldNum" sz="quarter" idx="15"/>
-          </p:nvPr>
-        </p:nvSpPr>
-        <p:spPr/>
-        <p:txBody>
-          <a:bodyPr/>
-          <a:lstStyle/>
-          <a:p>
-            <a:r>
-              <a:rPr lang="en-US" noProof="0" smtClean="0"/>
-              <a:t>Page </a:t>
-            </a:r>
-            <a:fld id="{733122C9-A0B9-462F-8757-0847AD287B63}" type="slidenum">
-              <a:rPr lang="en-US" noProof="0" smtClean="0"/>
-              <a:pPr/>
-              <a:t>15</a:t>
-            </a:fld>
-            <a:endParaRPr lang="en-US" noProof="0"/>
           </a:p>
         </p:txBody>
       </p:sp>
@@ -6107,10 +5839,9 @@
           <a:lstStyle/>
           <a:p>
             <a:r>
-              <a:rPr lang="en-US" noProof="0" smtClean="0"/>
-              <a:t>OASYS-Intro | HERCULES2024</a:t>
-            </a:r>
-            <a:endParaRPr lang="en-US" noProof="0"/>
+              <a:rPr lang="en-US" noProof="0"/>
+              <a:t>OASYS-Intro | HERCULES2025</a:t>
+            </a:r>
           </a:p>
         </p:txBody>
       </p:sp>
@@ -6146,15 +5877,7 @@
                   <a:srgbClr val="002060"/>
                 </a:solidFill>
               </a:rPr>
-              <a:t>Python has been chosen as the main programming </a:t>
-            </a:r>
-            <a:r>
-              <a:rPr lang="en-US" dirty="0" smtClean="0">
-                <a:solidFill>
-                  <a:srgbClr val="002060"/>
-                </a:solidFill>
-              </a:rPr>
-              <a:t>language, and code can be included in the workflow</a:t>
+              <a:t>Python has been chosen as the main programming language, and code can be included in the workflow</a:t>
             </a:r>
             <a:endParaRPr lang="en-GB" dirty="0">
               <a:solidFill>
@@ -6258,38 +5981,10 @@
           <a:lstStyle/>
           <a:p>
             <a:r>
-              <a:rPr lang="en-US" sz="2400" cap="none" dirty="0" smtClean="0"/>
+              <a:rPr lang="en-US" sz="2400" cap="none" dirty="0"/>
               <a:t>Outcome from this tutorial</a:t>
             </a:r>
             <a:endParaRPr lang="en-GB" cap="none" dirty="0"/>
-          </a:p>
-        </p:txBody>
-      </p:sp>
-      <p:sp>
-        <p:nvSpPr>
-          <p:cNvPr id="6" name="Slide Number Placeholder 5"/>
-          <p:cNvSpPr>
-            <a:spLocks noGrp="1"/>
-          </p:cNvSpPr>
-          <p:nvPr>
-            <p:ph type="sldNum" sz="quarter" idx="15"/>
-          </p:nvPr>
-        </p:nvSpPr>
-        <p:spPr/>
-        <p:txBody>
-          <a:bodyPr/>
-          <a:lstStyle/>
-          <a:p>
-            <a:r>
-              <a:rPr lang="en-US" noProof="0" smtClean="0"/>
-              <a:t>Page </a:t>
-            </a:r>
-            <a:fld id="{733122C9-A0B9-462F-8757-0847AD287B63}" type="slidenum">
-              <a:rPr lang="en-US" noProof="0" smtClean="0"/>
-              <a:pPr/>
-              <a:t>16</a:t>
-            </a:fld>
-            <a:endParaRPr lang="en-US" noProof="0"/>
           </a:p>
         </p:txBody>
       </p:sp>
@@ -6309,10 +6004,9 @@
           <a:lstStyle/>
           <a:p>
             <a:r>
-              <a:rPr lang="en-US" noProof="0" smtClean="0"/>
-              <a:t>OASYS-Intro | HERCULES2024</a:t>
-            </a:r>
-            <a:endParaRPr lang="en-US" noProof="0"/>
+              <a:rPr lang="en-US" noProof="0"/>
+              <a:t>OASYS-Intro | HERCULES2025</a:t>
+            </a:r>
           </a:p>
         </p:txBody>
       </p:sp>
@@ -6343,7 +6037,7 @@
               <a:buChar char="•"/>
             </a:pPr>
             <a:r>
-              <a:rPr lang="en-US" dirty="0" smtClean="0">
+              <a:rPr lang="en-US" dirty="0">
                 <a:solidFill>
                   <a:srgbClr val="002060"/>
                 </a:solidFill>
@@ -6368,62 +6062,12 @@
               <a:buChar char="•"/>
             </a:pPr>
             <a:r>
-              <a:rPr lang="en-US" dirty="0" smtClean="0">
+              <a:rPr lang="en-US" dirty="0">
                 <a:solidFill>
                   <a:srgbClr val="002060"/>
                 </a:solidFill>
               </a:rPr>
               <a:t>Calculate the heat-load on different beamline components.</a:t>
-            </a:r>
-          </a:p>
-          <a:p>
-            <a:pPr marL="285750" indent="-285750">
-              <a:buFont typeface="Arial" panose="020B0604020202020204" pitchFamily="34" charset="0"/>
-              <a:buChar char="•"/>
-            </a:pPr>
-            <a:endParaRPr lang="en-US" dirty="0" smtClean="0">
-              <a:solidFill>
-                <a:srgbClr val="002060"/>
-              </a:solidFill>
-            </a:endParaRPr>
-          </a:p>
-          <a:p>
-            <a:pPr marL="285750" indent="-285750">
-              <a:buFont typeface="Arial" panose="020B0604020202020204" pitchFamily="34" charset="0"/>
-              <a:buChar char="•"/>
-            </a:pPr>
-            <a:r>
-              <a:rPr lang="en-US" dirty="0" smtClean="0">
-                <a:solidFill>
-                  <a:srgbClr val="00B050"/>
-                </a:solidFill>
-              </a:rPr>
-              <a:t>Simulating beamline optics by ray-tracing to obtain main parameters of the beam, e. g., size and divergence, energy resolution, intensity/flux.</a:t>
-            </a:r>
-          </a:p>
-          <a:p>
-            <a:pPr marL="285750" indent="-285750">
-              <a:buFont typeface="Arial" panose="020B0604020202020204" pitchFamily="34" charset="0"/>
-              <a:buChar char="•"/>
-            </a:pPr>
-            <a:endParaRPr lang="en-US" dirty="0" smtClean="0">
-              <a:solidFill>
-                <a:srgbClr val="00B050"/>
-              </a:solidFill>
-            </a:endParaRPr>
-          </a:p>
-          <a:p>
-            <a:pPr marL="285750" indent="-285750">
-              <a:buFont typeface="Arial" panose="020B0604020202020204" pitchFamily="34" charset="0"/>
-              <a:buChar char="•"/>
-            </a:pPr>
-            <a:r>
-              <a:rPr lang="en-US" dirty="0" smtClean="0">
-                <a:solidFill>
-                  <a:srgbClr val="00B050"/>
-                </a:solidFill>
-              </a:rPr>
-              <a:t>Understand basic principles of X-ray optics: Mirrors and Crystals.</a:t>
             </a:r>
           </a:p>
           <a:p>
@@ -6443,7 +6087,57 @@
               <a:buChar char="•"/>
             </a:pPr>
             <a:r>
-              <a:rPr lang="en-US" dirty="0" smtClean="0">
+              <a:rPr lang="en-US" dirty="0">
+                <a:solidFill>
+                  <a:srgbClr val="00B050"/>
+                </a:solidFill>
+              </a:rPr>
+              <a:t>Simulating beamline optics by ray-tracing to obtain main parameters of the beam, e. g., size and divergence, energy resolution, intensity/flux.</a:t>
+            </a:r>
+          </a:p>
+          <a:p>
+            <a:pPr marL="285750" indent="-285750">
+              <a:buFont typeface="Arial" panose="020B0604020202020204" pitchFamily="34" charset="0"/>
+              <a:buChar char="•"/>
+            </a:pPr>
+            <a:endParaRPr lang="en-US" dirty="0">
+              <a:solidFill>
+                <a:srgbClr val="00B050"/>
+              </a:solidFill>
+            </a:endParaRPr>
+          </a:p>
+          <a:p>
+            <a:pPr marL="285750" indent="-285750">
+              <a:buFont typeface="Arial" panose="020B0604020202020204" pitchFamily="34" charset="0"/>
+              <a:buChar char="•"/>
+            </a:pPr>
+            <a:r>
+              <a:rPr lang="en-US" dirty="0">
+                <a:solidFill>
+                  <a:srgbClr val="00B050"/>
+                </a:solidFill>
+              </a:rPr>
+              <a:t>Understand basic principles of X-ray optics: Mirrors and Crystals.</a:t>
+            </a:r>
+          </a:p>
+          <a:p>
+            <a:pPr marL="285750" indent="-285750">
+              <a:buFont typeface="Arial" panose="020B0604020202020204" pitchFamily="34" charset="0"/>
+              <a:buChar char="•"/>
+            </a:pPr>
+            <a:endParaRPr lang="en-US" dirty="0">
+              <a:solidFill>
+                <a:srgbClr val="002060"/>
+              </a:solidFill>
+            </a:endParaRPr>
+          </a:p>
+          <a:p>
+            <a:pPr marL="285750" indent="-285750">
+              <a:buFont typeface="Arial" panose="020B0604020202020204" pitchFamily="34" charset="0"/>
+              <a:buChar char="•"/>
+            </a:pPr>
+            <a:r>
+              <a:rPr lang="en-US" dirty="0">
                 <a:solidFill>
                   <a:srgbClr val="00B0F0"/>
                 </a:solidFill>
@@ -6520,26 +6214,13 @@
                   <a:srgbClr val="002060"/>
                 </a:solidFill>
               </a:rPr>
-              <a:t>Modelling synchrotron radiation beamlines </a:t>
-            </a:r>
-            <a:r>
-              <a:rPr lang="en-US" sz="2667" b="1" dirty="0" smtClean="0">
-                <a:solidFill>
-                  <a:srgbClr val="002060"/>
-                </a:solidFill>
-              </a:rPr>
-              <a:t>with</a:t>
-            </a:r>
-            <a:endParaRPr lang="en-US" sz="2667" b="1" dirty="0">
-              <a:solidFill>
-                <a:srgbClr val="002060"/>
-              </a:solidFill>
-            </a:endParaRPr>
+              <a:t>Modelling synchrotron radiation beamlines with</a:t>
+            </a:r>
           </a:p>
           <a:p>
             <a:pPr algn="ctr"/>
             <a:r>
-              <a:rPr lang="en-US" sz="2667" b="1" dirty="0" smtClean="0">
+              <a:rPr lang="en-US" sz="2667" b="1" dirty="0">
                 <a:solidFill>
                   <a:srgbClr val="002060"/>
                 </a:solidFill>
@@ -6550,14 +6231,14 @@
           <a:p>
             <a:pPr algn="ctr"/>
             <a:r>
-              <a:rPr lang="en-US" sz="2667" b="1" dirty="0" smtClean="0">
+              <a:rPr lang="en-US" sz="2667" b="1" dirty="0">
                 <a:solidFill>
                   <a:srgbClr val="002060"/>
                 </a:solidFill>
               </a:rPr>
               <a:t> </a:t>
             </a:r>
-            <a:endParaRPr lang="en-US" sz="2000" b="1" dirty="0" smtClean="0">
+            <a:endParaRPr lang="en-US" sz="2000" b="1" dirty="0">
               <a:solidFill>
                 <a:srgbClr val="002060"/>
               </a:solidFill>
@@ -6566,18 +6247,13 @@
           <a:p>
             <a:pPr algn="ctr"/>
             <a:r>
-              <a:rPr lang="en-US" sz="2000" b="1" dirty="0" smtClean="0">
+              <a:rPr lang="en-US" sz="2000" b="1" dirty="0">
                 <a:solidFill>
                   <a:srgbClr val="002060"/>
                 </a:solidFill>
               </a:rPr>
               <a:t>Introduction</a:t>
             </a:r>
-            <a:endParaRPr lang="en-US" sz="2000" b="1" dirty="0">
-              <a:solidFill>
-                <a:srgbClr val="002060"/>
-              </a:solidFill>
-            </a:endParaRPr>
           </a:p>
           <a:p>
             <a:pPr algn="ctr"/>
@@ -6591,18 +6267,14 @@
             <a:pPr algn="ctr"/>
             <a:r>
               <a:rPr lang="en-US" sz="1667" dirty="0"/>
-              <a:t>Juan Reyes </a:t>
-            </a:r>
-            <a:r>
-              <a:rPr lang="en-US" sz="1667" dirty="0" smtClean="0"/>
-              <a:t>Herrera</a:t>
+              <a:t>Manuel Sanchez del Rio</a:t>
             </a:r>
           </a:p>
           <a:p>
             <a:pPr algn="ctr"/>
             <a:r>
               <a:rPr lang="en-US" sz="1100" dirty="0"/>
-              <a:t>juan.reyes-herrera@esrf.fr</a:t>
+              <a:t>srio@esrf.fr</a:t>
             </a:r>
           </a:p>
           <a:p>
@@ -6613,40 +6285,27 @@
             <a:pPr algn="ctr"/>
             <a:r>
               <a:rPr lang="en-US" sz="1333" dirty="0"/>
-              <a:t>Advanced Analysis &amp; Precision Unit, </a:t>
-            </a:r>
-            <a:r>
-              <a:rPr lang="en-US" sz="1333" dirty="0" smtClean="0"/>
-              <a:t>MEG/ISDD, </a:t>
-            </a:r>
-            <a:r>
-              <a:rPr lang="en-US" sz="1333" dirty="0"/>
-              <a:t>ESRF</a:t>
+              <a:t>Advanced Analysis &amp; Precision Unit, MEG/ISDD, ESRF</a:t>
             </a:r>
           </a:p>
           <a:p>
             <a:pPr algn="ctr"/>
-            <a:endParaRPr lang="en-US" sz="1167" dirty="0" smtClean="0"/>
+            <a:endParaRPr lang="en-US" sz="1167" dirty="0"/>
           </a:p>
           <a:p>
             <a:pPr algn="ctr"/>
             <a:r>
-              <a:rPr lang="en-US" sz="1167" dirty="0" smtClean="0"/>
-              <a:t>March </a:t>
-            </a:r>
-            <a:r>
-              <a:rPr lang="en-US" sz="1167" dirty="0" smtClean="0"/>
-              <a:t>22</a:t>
-            </a:r>
-            <a:r>
-              <a:rPr lang="en-US" sz="1167" baseline="30000" dirty="0" smtClean="0"/>
-              <a:t>nd</a:t>
-            </a:r>
-            <a:r>
-              <a:rPr lang="en-US" sz="1167" dirty="0" smtClean="0"/>
-              <a:t>, 2024</a:t>
-            </a:r>
-            <a:endParaRPr lang="en-US" sz="1167" dirty="0"/>
+              <a:rPr lang="en-US" sz="1167" dirty="0"/>
+              <a:t>March 21</a:t>
+            </a:r>
+            <a:r>
+              <a:rPr lang="en-US" sz="1167" baseline="30000" dirty="0"/>
+              <a:t>st</a:t>
+            </a:r>
+            <a:r>
+              <a:rPr lang="en-US" sz="1167" dirty="0"/>
+              <a:t>, 2025</a:t>
+            </a:r>
           </a:p>
           <a:p>
             <a:pPr algn="ctr"/>
@@ -6702,38 +6361,10 @@
           <a:lstStyle/>
           <a:p>
             <a:r>
-              <a:rPr lang="en-GB" sz="833" smtClean="0"/>
-              <a:t>OASYS-Intro | HERCULES2024</a:t>
+              <a:rPr lang="en-GB" sz="833"/>
+              <a:t>OASYS-Intro | HERCULES2025</a:t>
             </a:r>
             <a:endParaRPr lang="fr-FR" sz="833" dirty="0"/>
-          </a:p>
-        </p:txBody>
-      </p:sp>
-      <p:sp>
-        <p:nvSpPr>
-          <p:cNvPr id="4" name="Marcador de número de diapositiva 3"/>
-          <p:cNvSpPr>
-            <a:spLocks noGrp="1"/>
-          </p:cNvSpPr>
-          <p:nvPr>
-            <p:ph type="sldNum" sz="quarter" idx="15"/>
-          </p:nvPr>
-        </p:nvSpPr>
-        <p:spPr/>
-        <p:txBody>
-          <a:bodyPr/>
-          <a:lstStyle/>
-          <a:p>
-            <a:r>
-              <a:rPr lang="fr-FR" smtClean="0"/>
-              <a:t>Page </a:t>
-            </a:r>
-            <a:fld id="{733122C9-A0B9-462F-8757-0847AD287B63}" type="slidenum">
-              <a:rPr lang="fr-FR" smtClean="0"/>
-              <a:pPr/>
-              <a:t>2</a:t>
-            </a:fld>
-            <a:endParaRPr lang="fr-FR" dirty="0"/>
           </a:p>
         </p:txBody>
       </p:sp>
@@ -6808,13 +6439,6 @@
   <p:clrMapOvr>
     <a:masterClrMapping/>
   </p:clrMapOvr>
-  <p:timing>
-    <p:tnLst>
-      <p:par>
-        <p:cTn id="1" dur="indefinite" restart="never" nodeType="tmRoot"/>
-      </p:par>
-    </p:tnLst>
-  </p:timing>
 </p:sld>
 </file>
 
@@ -6851,38 +6475,10 @@
           <a:lstStyle/>
           <a:p>
             <a:r>
-              <a:rPr lang="en-US" sz="2400" cap="none" dirty="0" smtClean="0"/>
+              <a:rPr lang="en-US" sz="2400" cap="none" dirty="0"/>
               <a:t>Introduction to OASYS</a:t>
             </a:r>
             <a:endParaRPr lang="en-GB" sz="2400" cap="none" dirty="0"/>
-          </a:p>
-        </p:txBody>
-      </p:sp>
-      <p:sp>
-        <p:nvSpPr>
-          <p:cNvPr id="6" name="Slide Number Placeholder 5"/>
-          <p:cNvSpPr>
-            <a:spLocks noGrp="1"/>
-          </p:cNvSpPr>
-          <p:nvPr>
-            <p:ph type="sldNum" sz="quarter" idx="15"/>
-          </p:nvPr>
-        </p:nvSpPr>
-        <p:spPr/>
-        <p:txBody>
-          <a:bodyPr/>
-          <a:lstStyle/>
-          <a:p>
-            <a:r>
-              <a:rPr lang="en-US" noProof="0" smtClean="0"/>
-              <a:t>Page </a:t>
-            </a:r>
-            <a:fld id="{733122C9-A0B9-462F-8757-0847AD287B63}" type="slidenum">
-              <a:rPr lang="en-US" noProof="0" smtClean="0"/>
-              <a:pPr/>
-              <a:t>3</a:t>
-            </a:fld>
-            <a:endParaRPr lang="en-US" noProof="0"/>
           </a:p>
         </p:txBody>
       </p:sp>
@@ -6902,10 +6498,9 @@
           <a:lstStyle/>
           <a:p>
             <a:r>
-              <a:rPr lang="en-US" noProof="0" smtClean="0"/>
-              <a:t>OASYS-Intro | HERCULES2024</a:t>
-            </a:r>
-            <a:endParaRPr lang="en-US" noProof="0"/>
+              <a:rPr lang="en-US" noProof="0"/>
+              <a:t>OASYS-Intro | HERCULES2025</a:t>
+            </a:r>
           </a:p>
         </p:txBody>
       </p:sp>
@@ -6932,7 +6527,7 @@
           <a:lstStyle/>
           <a:p>
             <a:r>
-              <a:rPr lang="en-US" dirty="0" smtClean="0">
+              <a:rPr lang="en-US" dirty="0">
                 <a:solidFill>
                   <a:srgbClr val="002692"/>
                 </a:solidFill>
@@ -6953,7 +6548,7 @@
               <a:buChar char="§"/>
             </a:pPr>
             <a:r>
-              <a:rPr lang="en-US" dirty="0" smtClean="0">
+              <a:rPr lang="en-US" dirty="0">
                 <a:solidFill>
                   <a:srgbClr val="002692"/>
                 </a:solidFill>
@@ -6962,7 +6557,7 @@
             </a:r>
           </a:p>
           <a:p>
-            <a:endParaRPr lang="en-US" dirty="0" smtClean="0">
+            <a:endParaRPr lang="en-US" dirty="0">
               <a:solidFill>
                 <a:srgbClr val="002692"/>
               </a:solidFill>
@@ -6985,7 +6580,7 @@
               <a:buChar char="§"/>
             </a:pPr>
             <a:r>
-              <a:rPr lang="en-US" dirty="0" smtClean="0">
+              <a:rPr lang="en-US" dirty="0">
                 <a:solidFill>
                   <a:srgbClr val="002692"/>
                 </a:solidFill>
@@ -6998,7 +6593,7 @@
               <a:buFont typeface="Wingdings" panose="05000000000000000000" pitchFamily="2" charset="2"/>
               <a:buChar char="§"/>
             </a:pPr>
-            <a:endParaRPr lang="en-US" dirty="0" smtClean="0">
+            <a:endParaRPr lang="en-US" dirty="0">
               <a:solidFill>
                 <a:srgbClr val="002692"/>
               </a:solidFill>
@@ -7023,15 +6618,7 @@
                   <a:srgbClr val="002692"/>
                 </a:solidFill>
               </a:rPr>
-              <a:t>E</a:t>
-            </a:r>
-            <a:r>
-              <a:rPr lang="en-US" dirty="0" smtClean="0">
-                <a:solidFill>
-                  <a:srgbClr val="002692"/>
-                </a:solidFill>
-              </a:rPr>
-              <a:t>xpected outcome of this OASYS tutorial</a:t>
+              <a:t>Expected outcome of this OASYS tutorial</a:t>
             </a:r>
           </a:p>
         </p:txBody>
@@ -7082,38 +6669,10 @@
           <a:lstStyle/>
           <a:p>
             <a:r>
-              <a:rPr lang="en-US" sz="2400" cap="none" dirty="0" smtClean="0"/>
+              <a:rPr lang="en-US" sz="2400" cap="none" dirty="0"/>
               <a:t>What is OASYS?</a:t>
             </a:r>
             <a:endParaRPr lang="en-GB" sz="2400" cap="none" dirty="0"/>
-          </a:p>
-        </p:txBody>
-      </p:sp>
-      <p:sp>
-        <p:nvSpPr>
-          <p:cNvPr id="6" name="Slide Number Placeholder 5"/>
-          <p:cNvSpPr>
-            <a:spLocks noGrp="1"/>
-          </p:cNvSpPr>
-          <p:nvPr>
-            <p:ph type="sldNum" sz="quarter" idx="15"/>
-          </p:nvPr>
-        </p:nvSpPr>
-        <p:spPr/>
-        <p:txBody>
-          <a:bodyPr/>
-          <a:lstStyle/>
-          <a:p>
-            <a:r>
-              <a:rPr lang="en-US" noProof="0" smtClean="0"/>
-              <a:t>Page </a:t>
-            </a:r>
-            <a:fld id="{733122C9-A0B9-462F-8757-0847AD287B63}" type="slidenum">
-              <a:rPr lang="en-US" noProof="0" smtClean="0"/>
-              <a:pPr/>
-              <a:t>4</a:t>
-            </a:fld>
-            <a:endParaRPr lang="en-US" noProof="0"/>
           </a:p>
         </p:txBody>
       </p:sp>
@@ -7133,10 +6692,9 @@
           <a:lstStyle/>
           <a:p>
             <a:r>
-              <a:rPr lang="en-US" noProof="0" smtClean="0"/>
-              <a:t>OASYS-Intro | HERCULES2024</a:t>
-            </a:r>
-            <a:endParaRPr lang="en-US" noProof="0"/>
+              <a:rPr lang="en-US" noProof="0"/>
+              <a:t>OASYS-Intro | HERCULES2025</a:t>
+            </a:r>
           </a:p>
         </p:txBody>
       </p:sp>
@@ -7162,29 +6720,13 @@
           </a:bodyPr>
           <a:lstStyle/>
           <a:p>
-            <a:r>
-              <a:rPr lang="en-US" dirty="0" smtClean="0">
-                <a:solidFill>
-                  <a:srgbClr val="002692"/>
-                </a:solidFill>
-              </a:rPr>
-              <a:t>OASYS (Orange Synchrotron Suite) </a:t>
-            </a:r>
             <a:r>
               <a:rPr lang="en-US" dirty="0">
                 <a:solidFill>
                   <a:srgbClr val="002692"/>
                 </a:solidFill>
               </a:rPr>
-              <a:t>is graphical environment for </a:t>
-            </a:r>
-            <a:r>
-              <a:rPr lang="en-US" dirty="0" smtClean="0">
-                <a:solidFill>
-                  <a:srgbClr val="002692"/>
-                </a:solidFill>
-              </a:rPr>
-              <a:t>modelling synchrotron beamlines. </a:t>
+              <a:t>OASYS (Orange Synchrotron Suite) is graphical environment for modelling synchrotron beamlines. </a:t>
             </a:r>
           </a:p>
           <a:p>
@@ -7196,7 +6738,7 @@
           </a:p>
           <a:p>
             <a:r>
-              <a:rPr lang="en-US" dirty="0" smtClean="0">
+              <a:rPr lang="en-US" dirty="0">
                 <a:solidFill>
                   <a:srgbClr val="002692"/>
                 </a:solidFill>
@@ -7218,15 +6760,7 @@
                   <a:srgbClr val="002692"/>
                 </a:solidFill>
               </a:rPr>
-              <a:t>OASYS integrates different simulation strategies via the implementation of adequate simulation tools for X-ray </a:t>
-            </a:r>
-            <a:r>
-              <a:rPr lang="en-US" dirty="0" smtClean="0">
-                <a:solidFill>
-                  <a:srgbClr val="002692"/>
-                </a:solidFill>
-              </a:rPr>
-              <a:t>Optics</a:t>
+              <a:t>OASYS integrates different simulation strategies via the implementation of adequate simulation tools for X-ray Optics</a:t>
             </a:r>
           </a:p>
           <a:p>
@@ -7244,25 +6778,16 @@
                 </a:solidFill>
                 <a:hlinkClick r:id="rId2"/>
               </a:rPr>
-              <a:t>https://</a:t>
-            </a:r>
-            <a:r>
-              <a:rPr lang="en-US" dirty="0" smtClean="0">
-                <a:solidFill>
-                  <a:srgbClr val="002692"/>
-                </a:solidFill>
-                <a:hlinkClick r:id="rId2"/>
-              </a:rPr>
-              <a:t>www.aps.anl.gov/Science/Scientific-Software/OASYS</a:t>
-            </a:r>
-            <a:endParaRPr lang="en-US" dirty="0" smtClean="0">
+              <a:t>https://www.aps.anl.gov/Science/Scientific-Software/OASYS</a:t>
+            </a:r>
+            <a:endParaRPr lang="en-US" dirty="0">
               <a:solidFill>
                 <a:srgbClr val="002692"/>
               </a:solidFill>
             </a:endParaRPr>
           </a:p>
           <a:p>
-            <a:endParaRPr lang="en-US" dirty="0" smtClean="0">
+            <a:endParaRPr lang="en-US" dirty="0">
               <a:solidFill>
                 <a:srgbClr val="002692"/>
               </a:solidFill>
@@ -7340,38 +6865,10 @@
           <a:lstStyle/>
           <a:p>
             <a:r>
-              <a:rPr lang="en-US" sz="2400" cap="none" dirty="0" smtClean="0"/>
+              <a:rPr lang="en-US" sz="2400" cap="none" dirty="0"/>
               <a:t>Modelling a beamline</a:t>
             </a:r>
             <a:endParaRPr lang="en-GB" sz="2400" cap="none" dirty="0"/>
-          </a:p>
-        </p:txBody>
-      </p:sp>
-      <p:sp>
-        <p:nvSpPr>
-          <p:cNvPr id="6" name="Slide Number Placeholder 5"/>
-          <p:cNvSpPr>
-            <a:spLocks noGrp="1"/>
-          </p:cNvSpPr>
-          <p:nvPr>
-            <p:ph type="sldNum" sz="quarter" idx="15"/>
-          </p:nvPr>
-        </p:nvSpPr>
-        <p:spPr/>
-        <p:txBody>
-          <a:bodyPr/>
-          <a:lstStyle/>
-          <a:p>
-            <a:r>
-              <a:rPr lang="en-US" noProof="0" smtClean="0"/>
-              <a:t>Page </a:t>
-            </a:r>
-            <a:fld id="{733122C9-A0B9-462F-8757-0847AD287B63}" type="slidenum">
-              <a:rPr lang="en-US" noProof="0" smtClean="0"/>
-              <a:pPr/>
-              <a:t>5</a:t>
-            </a:fld>
-            <a:endParaRPr lang="en-US" noProof="0"/>
           </a:p>
         </p:txBody>
       </p:sp>
@@ -7391,10 +6888,9 @@
           <a:lstStyle/>
           <a:p>
             <a:r>
-              <a:rPr lang="en-US" noProof="0" smtClean="0"/>
-              <a:t>OASYS-Intro | HERCULES2024</a:t>
-            </a:r>
-            <a:endParaRPr lang="en-US" noProof="0"/>
+              <a:rPr lang="en-US" noProof="0"/>
+              <a:t>OASYS-Intro | HERCULES2025</a:t>
+            </a:r>
           </a:p>
         </p:txBody>
       </p:sp>
@@ -7421,7 +6917,7 @@
           <a:lstStyle/>
           <a:p>
             <a:r>
-              <a:rPr lang="en-US" sz="1400" dirty="0" smtClean="0"/>
+              <a:rPr lang="en-US" sz="1400" dirty="0"/>
               <a:t>A synchrotron beamline is the instrumentation that transports the synchrotron radiation to the sample (experimental end station)</a:t>
             </a:r>
           </a:p>
@@ -7451,7 +6947,7 @@
           <a:p>
             <a:pPr algn="ctr"/>
             <a:r>
-              <a:rPr lang="en-US" dirty="0" smtClean="0">
+              <a:rPr lang="en-US" dirty="0">
                 <a:solidFill>
                   <a:schemeClr val="tx1">
                     <a:lumMod val="85000"/>
@@ -7461,14 +6957,6 @@
               </a:rPr>
               <a:t>Electron beam</a:t>
             </a:r>
-            <a:endParaRPr lang="en-US" dirty="0">
-              <a:solidFill>
-                <a:schemeClr val="tx1">
-                  <a:lumMod val="85000"/>
-                  <a:lumOff val="15000"/>
-                </a:schemeClr>
-              </a:solidFill>
-            </a:endParaRPr>
           </a:p>
         </p:txBody>
       </p:sp>
@@ -7496,7 +6984,7 @@
           <a:p>
             <a:pPr algn="ctr"/>
             <a:r>
-              <a:rPr lang="en-US" dirty="0" smtClean="0">
+              <a:rPr lang="en-US" dirty="0">
                 <a:solidFill>
                   <a:schemeClr val="tx1">
                     <a:lumMod val="85000"/>
@@ -7506,14 +6994,6 @@
               </a:rPr>
               <a:t>Photon beam</a:t>
             </a:r>
-            <a:endParaRPr lang="en-US" dirty="0">
-              <a:solidFill>
-                <a:schemeClr val="tx1">
-                  <a:lumMod val="85000"/>
-                  <a:lumOff val="15000"/>
-                </a:schemeClr>
-              </a:solidFill>
-            </a:endParaRPr>
           </a:p>
         </p:txBody>
       </p:sp>
@@ -7637,18 +7117,13 @@
           <a:p>
             <a:pPr algn="ctr"/>
             <a:r>
-              <a:rPr lang="en-US" sz="1400" dirty="0" smtClean="0">
+              <a:rPr lang="en-US" sz="1400" dirty="0">
                 <a:solidFill>
                   <a:srgbClr val="9900CC"/>
                 </a:solidFill>
               </a:rPr>
               <a:t>Beamline</a:t>
             </a:r>
-            <a:endParaRPr lang="en-US" sz="1400" dirty="0">
-              <a:solidFill>
-                <a:srgbClr val="9900CC"/>
-              </a:solidFill>
-            </a:endParaRPr>
           </a:p>
         </p:txBody>
       </p:sp>
@@ -7722,18 +7197,13 @@
           <a:p>
             <a:pPr algn="ctr"/>
             <a:r>
-              <a:rPr lang="en-US" sz="1400" dirty="0" smtClean="0">
+              <a:rPr lang="en-US" sz="1400" dirty="0">
                 <a:solidFill>
                   <a:srgbClr val="9900CC"/>
                 </a:solidFill>
               </a:rPr>
               <a:t>Optics hutch</a:t>
             </a:r>
-            <a:endParaRPr lang="en-US" sz="1400" dirty="0">
-              <a:solidFill>
-                <a:srgbClr val="9900CC"/>
-              </a:solidFill>
-            </a:endParaRPr>
           </a:p>
         </p:txBody>
       </p:sp>
@@ -7797,18 +7267,13 @@
           <a:p>
             <a:pPr algn="ctr"/>
             <a:r>
-              <a:rPr lang="en-US" sz="1400" dirty="0" smtClean="0">
+              <a:rPr lang="en-US" sz="1400" dirty="0">
                 <a:solidFill>
                   <a:srgbClr val="9900CC"/>
                 </a:solidFill>
               </a:rPr>
               <a:t>Experimental hutch</a:t>
             </a:r>
-            <a:endParaRPr lang="en-US" sz="1400" dirty="0">
-              <a:solidFill>
-                <a:srgbClr val="9900CC"/>
-              </a:solidFill>
-            </a:endParaRPr>
           </a:p>
         </p:txBody>
       </p:sp>
@@ -7874,18 +7339,13 @@
           <a:p>
             <a:pPr algn="ctr"/>
             <a:r>
-              <a:rPr lang="en-US" sz="1400" dirty="0" smtClean="0">
+              <a:rPr lang="en-US" sz="1400" dirty="0">
                 <a:solidFill>
                   <a:srgbClr val="9900CC"/>
                 </a:solidFill>
               </a:rPr>
               <a:t>Control hutch*</a:t>
             </a:r>
-            <a:endParaRPr lang="en-US" sz="1400" dirty="0">
-              <a:solidFill>
-                <a:srgbClr val="9900CC"/>
-              </a:solidFill>
-            </a:endParaRPr>
           </a:p>
         </p:txBody>
       </p:sp>
@@ -7949,18 +7409,13 @@
           <a:p>
             <a:pPr algn="ctr"/>
             <a:r>
-              <a:rPr lang="en-US" sz="1400" dirty="0" smtClean="0">
+              <a:rPr lang="en-US" sz="1400" dirty="0">
                 <a:solidFill>
                   <a:srgbClr val="00B050"/>
                 </a:solidFill>
               </a:rPr>
               <a:t>Insertion device</a:t>
             </a:r>
-            <a:endParaRPr lang="en-US" sz="1400" dirty="0">
-              <a:solidFill>
-                <a:srgbClr val="00B050"/>
-              </a:solidFill>
-            </a:endParaRPr>
           </a:p>
         </p:txBody>
       </p:sp>
@@ -8023,7 +7478,7 @@
           <a:lstStyle/>
           <a:p>
             <a:r>
-              <a:rPr lang="en-US" sz="1050" dirty="0" smtClean="0">
+              <a:rPr lang="en-US" sz="1050" dirty="0">
                 <a:solidFill>
                   <a:srgbClr val="9900CC"/>
                 </a:solidFill>
@@ -8031,18 +7486,13 @@
               <a:t>Hutch or cabin</a:t>
             </a:r>
             <a:r>
-              <a:rPr lang="en-US" sz="1400" dirty="0" smtClean="0">
+              <a:rPr lang="en-US" sz="1400" dirty="0">
                 <a:solidFill>
                   <a:srgbClr val="9900CC"/>
                 </a:solidFill>
               </a:rPr>
               <a:t>*</a:t>
             </a:r>
-            <a:endParaRPr lang="en-US" sz="1400" dirty="0">
-              <a:solidFill>
-                <a:srgbClr val="9900CC"/>
-              </a:solidFill>
-            </a:endParaRPr>
           </a:p>
         </p:txBody>
       </p:sp>
@@ -8973,42 +8423,14 @@
           <a:lstStyle/>
           <a:p>
             <a:r>
-              <a:rPr lang="en-US" sz="2400" cap="none" dirty="0" smtClean="0"/>
+              <a:rPr lang="en-US" sz="2400" cap="none" dirty="0"/>
               <a:t>Modelling</a:t>
             </a:r>
             <a:r>
-              <a:rPr lang="en-US" cap="none" dirty="0" smtClean="0"/>
+              <a:rPr lang="en-US" cap="none" dirty="0"/>
               <a:t> a beamline with OASYS</a:t>
             </a:r>
             <a:endParaRPr lang="en-GB" cap="none" dirty="0"/>
-          </a:p>
-        </p:txBody>
-      </p:sp>
-      <p:sp>
-        <p:nvSpPr>
-          <p:cNvPr id="5" name="Slide Number Placeholder 4"/>
-          <p:cNvSpPr>
-            <a:spLocks noGrp="1"/>
-          </p:cNvSpPr>
-          <p:nvPr>
-            <p:ph type="sldNum" sz="quarter" idx="15"/>
-          </p:nvPr>
-        </p:nvSpPr>
-        <p:spPr/>
-        <p:txBody>
-          <a:bodyPr/>
-          <a:lstStyle/>
-          <a:p>
-            <a:r>
-              <a:rPr lang="en-US" noProof="0" smtClean="0"/>
-              <a:t>Page </a:t>
-            </a:r>
-            <a:fld id="{733122C9-A0B9-462F-8757-0847AD287B63}" type="slidenum">
-              <a:rPr lang="en-US" noProof="0" smtClean="0"/>
-              <a:pPr/>
-              <a:t>6</a:t>
-            </a:fld>
-            <a:endParaRPr lang="en-US" noProof="0"/>
           </a:p>
         </p:txBody>
       </p:sp>
@@ -9028,10 +8450,9 @@
           <a:lstStyle/>
           <a:p>
             <a:r>
-              <a:rPr lang="en-US" noProof="0" smtClean="0"/>
-              <a:t>OASYS-Intro | HERCULES2024</a:t>
-            </a:r>
-            <a:endParaRPr lang="en-US" noProof="0"/>
+              <a:rPr lang="en-US" noProof="0"/>
+              <a:t>OASYS-Intro | HERCULES2025</a:t>
+            </a:r>
           </a:p>
         </p:txBody>
       </p:sp>
@@ -9107,7 +8528,7 @@
           <a:p>
             <a:pPr algn="ctr"/>
             <a:r>
-              <a:rPr lang="en-US" dirty="0" smtClean="0">
+              <a:rPr lang="en-US" dirty="0">
                 <a:solidFill>
                   <a:srgbClr val="0070C0"/>
                 </a:solidFill>
@@ -9146,7 +8567,7 @@
           <a:p>
             <a:pPr algn="ctr"/>
             <a:r>
-              <a:rPr lang="en-US" sz="1400" dirty="0" smtClean="0"/>
+              <a:rPr lang="en-US" sz="1400" dirty="0"/>
               <a:t>Bending magnet, wiggler or undulator</a:t>
             </a:r>
             <a:endParaRPr lang="en-GB" sz="1400" dirty="0"/>
@@ -9177,7 +8598,7 @@
           <a:p>
             <a:pPr algn="ctr"/>
             <a:r>
-              <a:rPr lang="en-US" dirty="0" smtClean="0">
+              <a:rPr lang="en-US" dirty="0">
                 <a:solidFill>
                   <a:srgbClr val="0070C0"/>
                 </a:solidFill>
@@ -9304,7 +8725,7 @@
           <a:p>
             <a:pPr algn="ctr"/>
             <a:r>
-              <a:rPr lang="en-US" dirty="0" smtClean="0">
+              <a:rPr lang="en-US" dirty="0">
                 <a:solidFill>
                   <a:srgbClr val="0070C0"/>
                 </a:solidFill>
@@ -9377,7 +8798,7 @@
           <a:p>
             <a:pPr algn="ctr"/>
             <a:r>
-              <a:rPr lang="en-US" sz="1400" dirty="0" smtClean="0"/>
+              <a:rPr lang="en-US" sz="1400" dirty="0"/>
               <a:t>Slits, mirrors, crystals, filters, refractive lens, Fresnel lens, multilayers, etc.</a:t>
             </a:r>
             <a:endParaRPr lang="en-GB" sz="1400" dirty="0"/>
@@ -9582,7 +9003,7 @@
           <a:p>
             <a:pPr algn="ctr"/>
             <a:r>
-              <a:rPr lang="en-US" sz="1400" dirty="0" smtClean="0"/>
+              <a:rPr lang="en-US" sz="1400" dirty="0"/>
               <a:t>Sample, detectors, etc.</a:t>
             </a:r>
             <a:endParaRPr lang="en-GB" sz="1400" dirty="0"/>
@@ -9612,7 +9033,7 @@
           <a:lstStyle/>
           <a:p>
             <a:r>
-              <a:rPr lang="en-US" sz="1400" dirty="0" smtClean="0"/>
+              <a:rPr lang="en-US" sz="1400" dirty="0"/>
               <a:t>Main components of the beamline:</a:t>
             </a:r>
           </a:p>
@@ -9788,38 +9209,10 @@
           <a:lstStyle/>
           <a:p>
             <a:r>
-              <a:rPr lang="en-US" cap="none" dirty="0" smtClean="0"/>
+              <a:rPr lang="en-US" cap="none" dirty="0"/>
               <a:t>Modelling a beamline with OASYS</a:t>
             </a:r>
             <a:endParaRPr lang="en-GB" cap="none" dirty="0"/>
-          </a:p>
-        </p:txBody>
-      </p:sp>
-      <p:sp>
-        <p:nvSpPr>
-          <p:cNvPr id="5" name="Slide Number Placeholder 4"/>
-          <p:cNvSpPr>
-            <a:spLocks noGrp="1"/>
-          </p:cNvSpPr>
-          <p:nvPr>
-            <p:ph type="sldNum" sz="quarter" idx="15"/>
-          </p:nvPr>
-        </p:nvSpPr>
-        <p:spPr/>
-        <p:txBody>
-          <a:bodyPr/>
-          <a:lstStyle/>
-          <a:p>
-            <a:r>
-              <a:rPr lang="en-US" noProof="0" smtClean="0"/>
-              <a:t>Page </a:t>
-            </a:r>
-            <a:fld id="{733122C9-A0B9-462F-8757-0847AD287B63}" type="slidenum">
-              <a:rPr lang="en-US" noProof="0" smtClean="0"/>
-              <a:pPr/>
-              <a:t>7</a:t>
-            </a:fld>
-            <a:endParaRPr lang="en-US" noProof="0"/>
           </a:p>
         </p:txBody>
       </p:sp>
@@ -9839,10 +9232,9 @@
           <a:lstStyle/>
           <a:p>
             <a:r>
-              <a:rPr lang="en-US" noProof="0" smtClean="0"/>
-              <a:t>OASYS-Intro | HERCULES2024</a:t>
-            </a:r>
-            <a:endParaRPr lang="en-US" noProof="0"/>
+              <a:rPr lang="en-US" noProof="0"/>
+              <a:t>OASYS-Intro | HERCULES2025</a:t>
+            </a:r>
           </a:p>
         </p:txBody>
       </p:sp>
@@ -9870,7 +9262,7 @@
           <a:p>
             <a:pPr algn="ctr"/>
             <a:r>
-              <a:rPr lang="en-US" dirty="0" smtClean="0">
+              <a:rPr lang="en-US" dirty="0">
                 <a:solidFill>
                   <a:srgbClr val="0070C0"/>
                 </a:solidFill>
@@ -9909,7 +9301,7 @@
           <a:p>
             <a:pPr algn="ctr"/>
             <a:r>
-              <a:rPr lang="en-US" dirty="0" smtClean="0">
+              <a:rPr lang="en-US" dirty="0">
                 <a:solidFill>
                   <a:srgbClr val="0070C0"/>
                 </a:solidFill>
@@ -9948,7 +9340,7 @@
           <a:p>
             <a:pPr algn="ctr"/>
             <a:r>
-              <a:rPr lang="en-US" dirty="0" smtClean="0">
+              <a:rPr lang="en-US" dirty="0">
                 <a:solidFill>
                   <a:srgbClr val="0070C0"/>
                 </a:solidFill>
@@ -9959,7 +9351,7 @@
           <a:p>
             <a:pPr algn="ctr"/>
             <a:r>
-              <a:rPr lang="en-US" dirty="0" smtClean="0">
+              <a:rPr lang="en-US" dirty="0">
                 <a:solidFill>
                   <a:srgbClr val="0070C0"/>
                 </a:solidFill>
@@ -9998,7 +9390,7 @@
           <a:p>
             <a:pPr algn="ctr"/>
             <a:r>
-              <a:rPr lang="en-US" sz="1400" dirty="0" smtClean="0"/>
+              <a:rPr lang="en-US" sz="1400" dirty="0"/>
               <a:t>Energy distribution, intensity (photon flux), beam size and divergence, etc.</a:t>
             </a:r>
             <a:endParaRPr lang="en-GB" sz="1400" dirty="0"/>
@@ -10122,15 +9514,15 @@
           <a:lstStyle/>
           <a:p>
             <a:r>
-              <a:rPr lang="en-US" dirty="0" smtClean="0"/>
+              <a:rPr lang="en-US" dirty="0"/>
               <a:t>The visual programing boxes, in OASYS, are called </a:t>
             </a:r>
             <a:r>
-              <a:rPr lang="en-US" b="1" i="1" dirty="0" smtClean="0"/>
+              <a:rPr lang="en-US" b="1" i="1" dirty="0"/>
               <a:t>Widgets</a:t>
             </a:r>
             <a:r>
-              <a:rPr lang="en-US" dirty="0" smtClean="0"/>
+              <a:rPr lang="en-US" dirty="0"/>
               <a:t> and they represent optical components, including a wide variability of tools, example: </a:t>
             </a:r>
             <a:endParaRPr lang="en-GB" dirty="0"/>
@@ -10241,13 +9633,6 @@
   <p:clrMapOvr>
     <a:masterClrMapping/>
   </p:clrMapOvr>
-  <p:timing>
-    <p:tnLst>
-      <p:par>
-        <p:cTn id="1" dur="indefinite" restart="never" nodeType="tmRoot"/>
-      </p:par>
-    </p:tnLst>
-  </p:timing>
 </p:sld>
 </file>
 
@@ -10284,38 +9669,10 @@
           <a:lstStyle/>
           <a:p>
             <a:r>
-              <a:rPr lang="en-US" cap="none" dirty="0" smtClean="0"/>
+              <a:rPr lang="en-US" cap="none" dirty="0"/>
               <a:t>Modelling a beamline with OASYS</a:t>
             </a:r>
             <a:endParaRPr lang="en-GB" cap="none" dirty="0"/>
-          </a:p>
-        </p:txBody>
-      </p:sp>
-      <p:sp>
-        <p:nvSpPr>
-          <p:cNvPr id="5" name="Slide Number Placeholder 4"/>
-          <p:cNvSpPr>
-            <a:spLocks noGrp="1"/>
-          </p:cNvSpPr>
-          <p:nvPr>
-            <p:ph type="sldNum" sz="quarter" idx="15"/>
-          </p:nvPr>
-        </p:nvSpPr>
-        <p:spPr/>
-        <p:txBody>
-          <a:bodyPr/>
-          <a:lstStyle/>
-          <a:p>
-            <a:r>
-              <a:rPr lang="en-US" noProof="0" smtClean="0"/>
-              <a:t>Page </a:t>
-            </a:r>
-            <a:fld id="{733122C9-A0B9-462F-8757-0847AD287B63}" type="slidenum">
-              <a:rPr lang="en-US" noProof="0" smtClean="0"/>
-              <a:pPr/>
-              <a:t>8</a:t>
-            </a:fld>
-            <a:endParaRPr lang="en-US" noProof="0"/>
           </a:p>
         </p:txBody>
       </p:sp>
@@ -10335,10 +9692,9 @@
           <a:lstStyle/>
           <a:p>
             <a:r>
-              <a:rPr lang="en-US" noProof="0" smtClean="0"/>
-              <a:t>OASYS-Intro | HERCULES2024</a:t>
-            </a:r>
-            <a:endParaRPr lang="en-US" noProof="0"/>
+              <a:rPr lang="en-US" noProof="0"/>
+              <a:t>OASYS-Intro | HERCULES2025</a:t>
+            </a:r>
           </a:p>
         </p:txBody>
       </p:sp>
@@ -10365,15 +9721,15 @@
           <a:lstStyle/>
           <a:p>
             <a:r>
-              <a:rPr lang="en-US" dirty="0" smtClean="0"/>
+              <a:rPr lang="en-US" dirty="0"/>
               <a:t>The </a:t>
             </a:r>
             <a:r>
-              <a:rPr lang="en-US" b="1" i="1" dirty="0" smtClean="0"/>
+              <a:rPr lang="en-US" b="1" i="1" dirty="0"/>
               <a:t>Widgets</a:t>
             </a:r>
             <a:r>
-              <a:rPr lang="en-US" dirty="0" smtClean="0"/>
+              <a:rPr lang="en-US" dirty="0"/>
               <a:t> are connected as a workflow (or dataflow) in the OASYS canvas: </a:t>
             </a:r>
             <a:endParaRPr lang="en-GB" dirty="0"/>
@@ -10430,18 +9786,13 @@
           <a:lstStyle/>
           <a:p>
             <a:r>
-              <a:rPr lang="en-US" sz="1600" dirty="0" smtClean="0">
+              <a:rPr lang="en-US" sz="1600" dirty="0">
                 <a:solidFill>
                   <a:srgbClr val="0070C0"/>
                 </a:solidFill>
               </a:rPr>
               <a:t>Canvas</a:t>
             </a:r>
-            <a:endParaRPr lang="en-US" sz="1600" dirty="0">
-              <a:solidFill>
-                <a:srgbClr val="0070C0"/>
-              </a:solidFill>
-            </a:endParaRPr>
           </a:p>
         </p:txBody>
       </p:sp>
@@ -10504,18 +9855,13 @@
           <a:lstStyle/>
           <a:p>
             <a:r>
-              <a:rPr lang="en-US" sz="1600" dirty="0" smtClean="0">
+              <a:rPr lang="en-US" sz="1600" dirty="0">
                 <a:solidFill>
                   <a:srgbClr val="00B050"/>
                 </a:solidFill>
               </a:rPr>
               <a:t>Widgets</a:t>
             </a:r>
-            <a:endParaRPr lang="en-US" sz="1600" dirty="0">
-              <a:solidFill>
-                <a:srgbClr val="00B050"/>
-              </a:solidFill>
-            </a:endParaRPr>
           </a:p>
         </p:txBody>
       </p:sp>
@@ -10614,18 +9960,13 @@
           <a:lstStyle/>
           <a:p>
             <a:r>
-              <a:rPr lang="en-US" sz="1600" dirty="0" smtClean="0">
+              <a:rPr lang="en-US" sz="1600" dirty="0">
                 <a:solidFill>
                   <a:schemeClr val="bg2"/>
                 </a:solidFill>
               </a:rPr>
               <a:t>Connectors</a:t>
             </a:r>
-            <a:endParaRPr lang="en-US" sz="1600" dirty="0">
-              <a:solidFill>
-                <a:schemeClr val="bg2"/>
-              </a:solidFill>
-            </a:endParaRPr>
           </a:p>
         </p:txBody>
       </p:sp>
@@ -10763,18 +10104,13 @@
           <a:lstStyle/>
           <a:p>
             <a:r>
-              <a:rPr lang="en-US" sz="1600" dirty="0" smtClean="0">
+              <a:rPr lang="en-US" sz="1600" dirty="0">
                 <a:solidFill>
                   <a:srgbClr val="0070C0"/>
                 </a:solidFill>
               </a:rPr>
               <a:t>Toolbox</a:t>
             </a:r>
-            <a:endParaRPr lang="en-US" sz="1600" dirty="0">
-              <a:solidFill>
-                <a:srgbClr val="0070C0"/>
-              </a:solidFill>
-            </a:endParaRPr>
           </a:p>
         </p:txBody>
       </p:sp>
@@ -10873,7 +10209,7 @@
           <a:lstStyle/>
           <a:p>
             <a:r>
-              <a:rPr lang="en-US" dirty="0" smtClean="0"/>
+              <a:rPr lang="en-US" dirty="0"/>
               <a:t>OASYS Workflow</a:t>
             </a:r>
             <a:endParaRPr lang="en-GB" dirty="0"/>
@@ -10890,13 +10226,6 @@
   <p:clrMapOvr>
     <a:masterClrMapping/>
   </p:clrMapOvr>
-  <p:timing>
-    <p:tnLst>
-      <p:par>
-        <p:cTn id="1" dur="indefinite" restart="never" nodeType="tmRoot"/>
-      </p:par>
-    </p:tnLst>
-  </p:timing>
 </p:sld>
 </file>
 
@@ -10933,38 +10262,10 @@
           <a:lstStyle/>
           <a:p>
             <a:r>
-              <a:rPr lang="en-US" cap="none" dirty="0" smtClean="0"/>
+              <a:rPr lang="en-US" cap="none" dirty="0"/>
               <a:t>Full beamline model</a:t>
             </a:r>
             <a:endParaRPr lang="en-GB" cap="none" dirty="0"/>
-          </a:p>
-        </p:txBody>
-      </p:sp>
-      <p:sp>
-        <p:nvSpPr>
-          <p:cNvPr id="5" name="Slide Number Placeholder 4"/>
-          <p:cNvSpPr>
-            <a:spLocks noGrp="1"/>
-          </p:cNvSpPr>
-          <p:nvPr>
-            <p:ph type="sldNum" sz="quarter" idx="15"/>
-          </p:nvPr>
-        </p:nvSpPr>
-        <p:spPr/>
-        <p:txBody>
-          <a:bodyPr/>
-          <a:lstStyle/>
-          <a:p>
-            <a:r>
-              <a:rPr lang="en-US" noProof="0" smtClean="0"/>
-              <a:t>Page </a:t>
-            </a:r>
-            <a:fld id="{733122C9-A0B9-462F-8757-0847AD287B63}" type="slidenum">
-              <a:rPr lang="en-US" noProof="0" smtClean="0"/>
-              <a:pPr/>
-              <a:t>9</a:t>
-            </a:fld>
-            <a:endParaRPr lang="en-US" noProof="0"/>
           </a:p>
         </p:txBody>
       </p:sp>
@@ -10984,10 +10285,9 @@
           <a:lstStyle/>
           <a:p>
             <a:r>
-              <a:rPr lang="en-US" noProof="0" smtClean="0"/>
-              <a:t>OASYS-Intro | HERCULES2024</a:t>
-            </a:r>
-            <a:endParaRPr lang="en-US" noProof="0"/>
+              <a:rPr lang="en-US" noProof="0"/>
+              <a:t>OASYS-Intro | HERCULES2025</a:t>
+            </a:r>
           </a:p>
         </p:txBody>
       </p:sp>
@@ -11056,7 +10356,7 @@
             <a:p>
               <a:pPr algn="ctr"/>
               <a:r>
-                <a:rPr lang="en-US" dirty="0" smtClean="0"/>
+                <a:rPr lang="en-US" dirty="0"/>
                 <a:t>ESRF-ID21</a:t>
               </a:r>
             </a:p>
@@ -11138,7 +10438,7 @@
           <a:p>
             <a:pPr algn="ctr"/>
             <a:r>
-              <a:rPr lang="en-US" dirty="0" smtClean="0">
+              <a:rPr lang="en-US" dirty="0">
                 <a:solidFill>
                   <a:srgbClr val="002060"/>
                 </a:solidFill>
@@ -11175,7 +10475,7 @@
           <a:p>
             <a:pPr algn="ctr"/>
             <a:r>
-              <a:rPr lang="en-US" dirty="0" smtClean="0">
+              <a:rPr lang="en-US" dirty="0">
                 <a:solidFill>
                   <a:srgbClr val="002060"/>
                 </a:solidFill>
@@ -11186,7 +10486,7 @@
           <a:p>
             <a:pPr algn="ctr"/>
             <a:r>
-              <a:rPr lang="en-US" dirty="0" smtClean="0">
+              <a:rPr lang="en-US" dirty="0">
                 <a:solidFill>
                   <a:srgbClr val="002060"/>
                 </a:solidFill>
@@ -11223,7 +10523,7 @@
           <a:p>
             <a:pPr algn="ctr"/>
             <a:r>
-              <a:rPr lang="en-US" dirty="0" smtClean="0">
+              <a:rPr lang="en-US" dirty="0">
                 <a:solidFill>
                   <a:srgbClr val="002060"/>
                 </a:solidFill>
@@ -11243,13 +10543,6 @@
   <p:clrMapOvr>
     <a:masterClrMapping/>
   </p:clrMapOvr>
-  <p:timing>
-    <p:tnLst>
-      <p:par>
-        <p:cTn id="1" dur="indefinite" restart="never" nodeType="tmRoot"/>
-      </p:par>
-    </p:tnLst>
-  </p:timing>
 </p:sld>
 </file>
 
